--- a/Images/Figures_PPT/RaptorPie.pptx
+++ b/Images/Figures_PPT/RaptorPie.pptx
@@ -2298,489 +2298,501 @@
           </p:nvSpPr>
           <p:spPr>
             <a:xfrm>
-              <a:off x="4761012" y="1749568"/>
-              <a:ext cx="3198977" cy="4947131"/>
+              <a:off x="4488393" y="1749568"/>
+              <a:ext cx="3471425" cy="4947132"/>
             </a:xfrm>
             <a:custGeom>
               <a:avLst/>
               <a:pathLst>
-                <a:path w="3198977" h="4947131">
+                <a:path w="3471425" h="4947132">
                   <a:moveTo>
-                    <a:pt x="725387" y="2473613"/>
+                    <a:pt x="998006" y="2473613"/>
                   </a:moveTo>
                   <a:lnTo>
-                    <a:pt x="700374" y="2555160"/>
-                  </a:lnTo>
-                  <a:lnTo>
-                    <a:pt x="675360" y="2636707"/>
-                  </a:lnTo>
-                  <a:lnTo>
-                    <a:pt x="650347" y="2718254"/>
-                  </a:lnTo>
-                  <a:lnTo>
-                    <a:pt x="625333" y="2799801"/>
-                  </a:lnTo>
-                  <a:lnTo>
-                    <a:pt x="600320" y="2881349"/>
-                  </a:lnTo>
-                  <a:lnTo>
-                    <a:pt x="575307" y="2962896"/>
-                  </a:lnTo>
-                  <a:lnTo>
-                    <a:pt x="550293" y="3044443"/>
-                  </a:lnTo>
-                  <a:lnTo>
-                    <a:pt x="525280" y="3125990"/>
-                  </a:lnTo>
-                  <a:lnTo>
-                    <a:pt x="500267" y="3207537"/>
-                  </a:lnTo>
-                  <a:lnTo>
-                    <a:pt x="475253" y="3289084"/>
-                  </a:lnTo>
-                  <a:lnTo>
-                    <a:pt x="450240" y="3370631"/>
-                  </a:lnTo>
-                  <a:lnTo>
-                    <a:pt x="425227" y="3452178"/>
-                  </a:lnTo>
-                  <a:lnTo>
-                    <a:pt x="400213" y="3533725"/>
-                  </a:lnTo>
-                  <a:lnTo>
-                    <a:pt x="375200" y="3615272"/>
-                  </a:lnTo>
-                  <a:lnTo>
-                    <a:pt x="350187" y="3696819"/>
-                  </a:lnTo>
-                  <a:lnTo>
-                    <a:pt x="325173" y="3778366"/>
-                  </a:lnTo>
-                  <a:lnTo>
-                    <a:pt x="300160" y="3859913"/>
-                  </a:lnTo>
-                  <a:lnTo>
-                    <a:pt x="275146" y="3941460"/>
-                  </a:lnTo>
-                  <a:lnTo>
-                    <a:pt x="250133" y="4023007"/>
-                  </a:lnTo>
-                  <a:lnTo>
-                    <a:pt x="225120" y="4104554"/>
-                  </a:lnTo>
-                  <a:lnTo>
-                    <a:pt x="200106" y="4186101"/>
-                  </a:lnTo>
-                  <a:lnTo>
-                    <a:pt x="175093" y="4267648"/>
-                  </a:lnTo>
-                  <a:lnTo>
-                    <a:pt x="150080" y="4349195"/>
-                  </a:lnTo>
-                  <a:lnTo>
-                    <a:pt x="125066" y="4430742"/>
-                  </a:lnTo>
-                  <a:lnTo>
-                    <a:pt x="100053" y="4512289"/>
-                  </a:lnTo>
-                  <a:lnTo>
-                    <a:pt x="75040" y="4593836"/>
-                  </a:lnTo>
-                  <a:lnTo>
-                    <a:pt x="50026" y="4675383"/>
-                  </a:lnTo>
-                  <a:lnTo>
-                    <a:pt x="25013" y="4756930"/>
-                  </a:lnTo>
-                  <a:lnTo>
-                    <a:pt x="0" y="4838477"/>
-                  </a:lnTo>
-                  <a:lnTo>
-                    <a:pt x="80932" y="4861802"/>
-                  </a:lnTo>
-                  <a:lnTo>
-                    <a:pt x="162612" y="4882358"/>
-                  </a:lnTo>
-                  <a:lnTo>
-                    <a:pt x="244944" y="4900121"/>
-                  </a:lnTo>
-                  <a:lnTo>
-                    <a:pt x="327833" y="4915071"/>
-                  </a:lnTo>
-                  <a:lnTo>
-                    <a:pt x="411183" y="4927191"/>
-                  </a:lnTo>
-                  <a:lnTo>
-                    <a:pt x="494897" y="4936466"/>
-                  </a:lnTo>
-                  <a:lnTo>
-                    <a:pt x="578879" y="4942885"/>
-                  </a:lnTo>
-                  <a:lnTo>
-                    <a:pt x="663030" y="4946441"/>
-                  </a:lnTo>
-                  <a:lnTo>
-                    <a:pt x="747254" y="4947131"/>
-                  </a:lnTo>
-                  <a:lnTo>
-                    <a:pt x="831453" y="4944952"/>
-                  </a:lnTo>
-                  <a:lnTo>
-                    <a:pt x="915528" y="4939909"/>
-                  </a:lnTo>
-                  <a:lnTo>
-                    <a:pt x="999383" y="4932006"/>
-                  </a:lnTo>
-                  <a:lnTo>
-                    <a:pt x="1082920" y="4921252"/>
-                  </a:lnTo>
-                  <a:lnTo>
-                    <a:pt x="1166043" y="4907661"/>
-                  </a:lnTo>
-                  <a:lnTo>
-                    <a:pt x="1248655" y="4891248"/>
-                  </a:lnTo>
-                  <a:lnTo>
-                    <a:pt x="1330660" y="4872032"/>
-                  </a:lnTo>
-                  <a:lnTo>
-                    <a:pt x="1411964" y="4850035"/>
-                  </a:lnTo>
-                  <a:lnTo>
-                    <a:pt x="1492471" y="4825283"/>
-                  </a:lnTo>
-                  <a:lnTo>
-                    <a:pt x="1572089" y="4797804"/>
-                  </a:lnTo>
-                  <a:lnTo>
-                    <a:pt x="1650726" y="4767630"/>
-                  </a:lnTo>
-                  <a:lnTo>
-                    <a:pt x="1728289" y="4734797"/>
-                  </a:lnTo>
-                  <a:lnTo>
-                    <a:pt x="1804690" y="4699343"/>
-                  </a:lnTo>
-                  <a:lnTo>
-                    <a:pt x="1879839" y="4661308"/>
-                  </a:lnTo>
-                  <a:lnTo>
-                    <a:pt x="1953650" y="4620736"/>
-                  </a:lnTo>
-                  <a:lnTo>
-                    <a:pt x="2026037" y="4577675"/>
-                  </a:lnTo>
-                  <a:lnTo>
-                    <a:pt x="2096916" y="4532174"/>
-                  </a:lnTo>
-                  <a:lnTo>
-                    <a:pt x="2166205" y="4484287"/>
-                  </a:lnTo>
-                  <a:lnTo>
-                    <a:pt x="2233823" y="4434069"/>
-                  </a:lnTo>
-                  <a:lnTo>
-                    <a:pt x="2299693" y="4381578"/>
-                  </a:lnTo>
-                  <a:lnTo>
-                    <a:pt x="2363737" y="4326874"/>
-                  </a:lnTo>
-                  <a:lnTo>
-                    <a:pt x="2425881" y="4270022"/>
-                  </a:lnTo>
-                  <a:lnTo>
-                    <a:pt x="2486055" y="4211087"/>
-                  </a:lnTo>
-                  <a:lnTo>
-                    <a:pt x="2544186" y="4150138"/>
-                  </a:lnTo>
-                  <a:lnTo>
-                    <a:pt x="2600209" y="4087245"/>
-                  </a:lnTo>
-                  <a:lnTo>
-                    <a:pt x="2654059" y="4022481"/>
-                  </a:lnTo>
-                  <a:lnTo>
-                    <a:pt x="2705672" y="3955921"/>
-                  </a:lnTo>
-                  <a:lnTo>
-                    <a:pt x="2754989" y="3887643"/>
-                  </a:lnTo>
-                  <a:lnTo>
-                    <a:pt x="2801953" y="3817725"/>
-                  </a:lnTo>
-                  <a:lnTo>
-                    <a:pt x="2846510" y="3746249"/>
-                  </a:lnTo>
-                  <a:lnTo>
-                    <a:pt x="2888607" y="3673298"/>
-                  </a:lnTo>
-                  <a:lnTo>
-                    <a:pt x="2928197" y="3598955"/>
-                  </a:lnTo>
-                  <a:lnTo>
-                    <a:pt x="2965232" y="3523308"/>
-                  </a:lnTo>
-                  <a:lnTo>
-                    <a:pt x="2999671" y="3446444"/>
-                  </a:lnTo>
-                  <a:lnTo>
-                    <a:pt x="3031472" y="3368452"/>
-                  </a:lnTo>
-                  <a:lnTo>
-                    <a:pt x="3060600" y="3289422"/>
-                  </a:lnTo>
-                  <a:lnTo>
-                    <a:pt x="3087021" y="3209447"/>
-                  </a:lnTo>
-                  <a:lnTo>
-                    <a:pt x="3110703" y="3128618"/>
-                  </a:lnTo>
-                  <a:lnTo>
-                    <a:pt x="3131620" y="3047030"/>
-                  </a:lnTo>
-                  <a:lnTo>
-                    <a:pt x="3149747" y="2964777"/>
-                  </a:lnTo>
-                  <a:lnTo>
-                    <a:pt x="3165064" y="2881955"/>
-                  </a:lnTo>
-                  <a:lnTo>
-                    <a:pt x="3177551" y="2798659"/>
-                  </a:lnTo>
-                  <a:lnTo>
-                    <a:pt x="3187196" y="2714987"/>
-                  </a:lnTo>
-                  <a:lnTo>
-                    <a:pt x="3193987" y="2631034"/>
-                  </a:lnTo>
-                  <a:lnTo>
-                    <a:pt x="3197915" y="2546900"/>
-                  </a:lnTo>
-                  <a:lnTo>
-                    <a:pt x="3198977" y="2462680"/>
-                  </a:lnTo>
-                  <a:lnTo>
-                    <a:pt x="3197170" y="2378472"/>
-                  </a:lnTo>
-                  <a:lnTo>
-                    <a:pt x="3192498" y="2294376"/>
-                  </a:lnTo>
-                  <a:lnTo>
-                    <a:pt x="3184966" y="2210486"/>
-                  </a:lnTo>
-                  <a:lnTo>
-                    <a:pt x="3174582" y="2126902"/>
-                  </a:lnTo>
-                  <a:lnTo>
-                    <a:pt x="3161359" y="2043720"/>
-                  </a:lnTo>
-                  <a:lnTo>
-                    <a:pt x="3145311" y="1961037"/>
-                  </a:lnTo>
-                  <a:lnTo>
-                    <a:pt x="3126457" y="1878947"/>
-                  </a:lnTo>
-                  <a:lnTo>
-                    <a:pt x="3104820" y="1797548"/>
-                  </a:lnTo>
-                  <a:lnTo>
-                    <a:pt x="3080424" y="1716931"/>
-                  </a:lnTo>
-                  <a:lnTo>
-                    <a:pt x="3053297" y="1637193"/>
-                  </a:lnTo>
-                  <a:lnTo>
-                    <a:pt x="3023472" y="1558424"/>
-                  </a:lnTo>
-                  <a:lnTo>
-                    <a:pt x="2990982" y="1480716"/>
-                  </a:lnTo>
-                  <a:lnTo>
-                    <a:pt x="2955865" y="1404159"/>
-                  </a:lnTo>
-                  <a:lnTo>
-                    <a:pt x="2918162" y="1328842"/>
-                  </a:lnTo>
-                  <a:lnTo>
-                    <a:pt x="2877917" y="1254853"/>
-                  </a:lnTo>
-                  <a:lnTo>
-                    <a:pt x="2835177" y="1182276"/>
-                  </a:lnTo>
-                  <a:lnTo>
-                    <a:pt x="2789990" y="1111197"/>
-                  </a:lnTo>
-                  <a:lnTo>
-                    <a:pt x="2742410" y="1041697"/>
-                  </a:lnTo>
-                  <a:lnTo>
-                    <a:pt x="2692491" y="973857"/>
-                  </a:lnTo>
-                  <a:lnTo>
-                    <a:pt x="2640291" y="907757"/>
-                  </a:lnTo>
-                  <a:lnTo>
-                    <a:pt x="2585871" y="843471"/>
-                  </a:lnTo>
-                  <a:lnTo>
-                    <a:pt x="2529294" y="781076"/>
-                  </a:lnTo>
-                  <a:lnTo>
-                    <a:pt x="2470626" y="720643"/>
-                  </a:lnTo>
-                  <a:lnTo>
-                    <a:pt x="2409934" y="662242"/>
-                  </a:lnTo>
-                  <a:lnTo>
-                    <a:pt x="2347290" y="605942"/>
-                  </a:lnTo>
-                  <a:lnTo>
-                    <a:pt x="2282764" y="551807"/>
-                  </a:lnTo>
-                  <a:lnTo>
-                    <a:pt x="2216433" y="499900"/>
-                  </a:lnTo>
-                  <a:lnTo>
-                    <a:pt x="2148374" y="450281"/>
-                  </a:lnTo>
-                  <a:lnTo>
-                    <a:pt x="2078664" y="403008"/>
-                  </a:lnTo>
-                  <a:lnTo>
-                    <a:pt x="2007386" y="358136"/>
-                  </a:lnTo>
-                  <a:lnTo>
-                    <a:pt x="1934621" y="315717"/>
-                  </a:lnTo>
-                  <a:lnTo>
-                    <a:pt x="1860455" y="275799"/>
-                  </a:lnTo>
-                  <a:lnTo>
-                    <a:pt x="1784972" y="238430"/>
-                  </a:lnTo>
-                  <a:lnTo>
-                    <a:pt x="1708261" y="203652"/>
-                  </a:lnTo>
-                  <a:lnTo>
-                    <a:pt x="1630410" y="171506"/>
-                  </a:lnTo>
-                  <a:lnTo>
-                    <a:pt x="1551510" y="142029"/>
-                  </a:lnTo>
-                  <a:lnTo>
-                    <a:pt x="1471652" y="115255"/>
-                  </a:lnTo>
-                  <a:lnTo>
-                    <a:pt x="1390929" y="91215"/>
-                  </a:lnTo>
-                  <a:lnTo>
-                    <a:pt x="1309434" y="69938"/>
-                  </a:lnTo>
-                  <a:lnTo>
-                    <a:pt x="1227262" y="51448"/>
-                  </a:lnTo>
-                  <a:lnTo>
-                    <a:pt x="1144508" y="35765"/>
-                  </a:lnTo>
-                  <a:lnTo>
-                    <a:pt x="1061269" y="22910"/>
-                  </a:lnTo>
-                  <a:lnTo>
-                    <a:pt x="977640" y="12895"/>
-                  </a:lnTo>
-                  <a:lnTo>
-                    <a:pt x="893718" y="5734"/>
-                  </a:lnTo>
-                  <a:lnTo>
-                    <a:pt x="809601" y="1433"/>
-                  </a:lnTo>
-                  <a:lnTo>
-                    <a:pt x="725387" y="0"/>
-                  </a:lnTo>
-                  <a:lnTo>
-                    <a:pt x="725387" y="85297"/>
-                  </a:lnTo>
-                  <a:lnTo>
-                    <a:pt x="725387" y="170594"/>
-                  </a:lnTo>
-                  <a:lnTo>
-                    <a:pt x="725387" y="255891"/>
-                  </a:lnTo>
-                  <a:lnTo>
-                    <a:pt x="725387" y="341188"/>
-                  </a:lnTo>
-                  <a:lnTo>
-                    <a:pt x="725387" y="426485"/>
-                  </a:lnTo>
-                  <a:lnTo>
-                    <a:pt x="725387" y="511782"/>
-                  </a:lnTo>
-                  <a:lnTo>
-                    <a:pt x="725387" y="597079"/>
-                  </a:lnTo>
-                  <a:lnTo>
-                    <a:pt x="725387" y="682376"/>
-                  </a:lnTo>
-                  <a:lnTo>
-                    <a:pt x="725387" y="767673"/>
-                  </a:lnTo>
-                  <a:lnTo>
-                    <a:pt x="725387" y="852970"/>
-                  </a:lnTo>
-                  <a:lnTo>
-                    <a:pt x="725387" y="938267"/>
-                  </a:lnTo>
-                  <a:lnTo>
-                    <a:pt x="725387" y="1023564"/>
-                  </a:lnTo>
-                  <a:lnTo>
-                    <a:pt x="725387" y="1108861"/>
-                  </a:lnTo>
-                  <a:lnTo>
-                    <a:pt x="725387" y="1194158"/>
-                  </a:lnTo>
-                  <a:lnTo>
-                    <a:pt x="725387" y="1279455"/>
-                  </a:lnTo>
-                  <a:lnTo>
-                    <a:pt x="725387" y="1364752"/>
-                  </a:lnTo>
-                  <a:lnTo>
-                    <a:pt x="725387" y="1450049"/>
-                  </a:lnTo>
-                  <a:lnTo>
-                    <a:pt x="725387" y="1535346"/>
-                  </a:lnTo>
-                  <a:lnTo>
-                    <a:pt x="725387" y="1620643"/>
-                  </a:lnTo>
-                  <a:lnTo>
-                    <a:pt x="725387" y="1705940"/>
-                  </a:lnTo>
-                  <a:lnTo>
-                    <a:pt x="725387" y="1791237"/>
-                  </a:lnTo>
-                  <a:lnTo>
-                    <a:pt x="725387" y="1876534"/>
-                  </a:lnTo>
-                  <a:lnTo>
-                    <a:pt x="725387" y="1961831"/>
-                  </a:lnTo>
-                  <a:lnTo>
-                    <a:pt x="725387" y="2047128"/>
-                  </a:lnTo>
-                  <a:lnTo>
-                    <a:pt x="725387" y="2132425"/>
-                  </a:lnTo>
-                  <a:lnTo>
-                    <a:pt x="725387" y="2217722"/>
-                  </a:lnTo>
-                  <a:lnTo>
-                    <a:pt x="725387" y="2303019"/>
-                  </a:lnTo>
-                  <a:lnTo>
-                    <a:pt x="725387" y="2388316"/>
+                    <a:pt x="963592" y="2551660"/>
+                  </a:lnTo>
+                  <a:lnTo>
+                    <a:pt x="929178" y="2629706"/>
+                  </a:lnTo>
+                  <a:lnTo>
+                    <a:pt x="894764" y="2707753"/>
+                  </a:lnTo>
+                  <a:lnTo>
+                    <a:pt x="860350" y="2785800"/>
+                  </a:lnTo>
+                  <a:lnTo>
+                    <a:pt x="825936" y="2863846"/>
+                  </a:lnTo>
+                  <a:lnTo>
+                    <a:pt x="791522" y="2941893"/>
+                  </a:lnTo>
+                  <a:lnTo>
+                    <a:pt x="757108" y="3019939"/>
+                  </a:lnTo>
+                  <a:lnTo>
+                    <a:pt x="722694" y="3097986"/>
+                  </a:lnTo>
+                  <a:lnTo>
+                    <a:pt x="688280" y="3176032"/>
+                  </a:lnTo>
+                  <a:lnTo>
+                    <a:pt x="653866" y="3254079"/>
+                  </a:lnTo>
+                  <a:lnTo>
+                    <a:pt x="619452" y="3332125"/>
+                  </a:lnTo>
+                  <a:lnTo>
+                    <a:pt x="585038" y="3410172"/>
+                  </a:lnTo>
+                  <a:lnTo>
+                    <a:pt x="550624" y="3488218"/>
+                  </a:lnTo>
+                  <a:lnTo>
+                    <a:pt x="516210" y="3566265"/>
+                  </a:lnTo>
+                  <a:lnTo>
+                    <a:pt x="481796" y="3644311"/>
+                  </a:lnTo>
+                  <a:lnTo>
+                    <a:pt x="447382" y="3722358"/>
+                  </a:lnTo>
+                  <a:lnTo>
+                    <a:pt x="412968" y="3800404"/>
+                  </a:lnTo>
+                  <a:lnTo>
+                    <a:pt x="378554" y="3878451"/>
+                  </a:lnTo>
+                  <a:lnTo>
+                    <a:pt x="344140" y="3956497"/>
+                  </a:lnTo>
+                  <a:lnTo>
+                    <a:pt x="309726" y="4034544"/>
+                  </a:lnTo>
+                  <a:lnTo>
+                    <a:pt x="275312" y="4112590"/>
+                  </a:lnTo>
+                  <a:lnTo>
+                    <a:pt x="240898" y="4190637"/>
+                  </a:lnTo>
+                  <a:lnTo>
+                    <a:pt x="206484" y="4268683"/>
+                  </a:lnTo>
+                  <a:lnTo>
+                    <a:pt x="172070" y="4346730"/>
+                  </a:lnTo>
+                  <a:lnTo>
+                    <a:pt x="137656" y="4424776"/>
+                  </a:lnTo>
+                  <a:lnTo>
+                    <a:pt x="103242" y="4502823"/>
+                  </a:lnTo>
+                  <a:lnTo>
+                    <a:pt x="68828" y="4580869"/>
+                  </a:lnTo>
+                  <a:lnTo>
+                    <a:pt x="34414" y="4658916"/>
+                  </a:lnTo>
+                  <a:lnTo>
+                    <a:pt x="0" y="4736963"/>
+                  </a:lnTo>
+                  <a:lnTo>
+                    <a:pt x="77229" y="4769465"/>
+                  </a:lnTo>
+                  <a:lnTo>
+                    <a:pt x="155514" y="4799333"/>
+                  </a:lnTo>
+                  <a:lnTo>
+                    <a:pt x="234767" y="4826533"/>
+                  </a:lnTo>
+                  <a:lnTo>
+                    <a:pt x="314895" y="4851033"/>
+                  </a:lnTo>
+                  <a:lnTo>
+                    <a:pt x="395807" y="4872805"/>
+                  </a:lnTo>
+                  <a:lnTo>
+                    <a:pt x="477410" y="4891825"/>
+                  </a:lnTo>
+                  <a:lnTo>
+                    <a:pt x="559610" y="4908069"/>
+                  </a:lnTo>
+                  <a:lnTo>
+                    <a:pt x="642313" y="4921520"/>
+                  </a:lnTo>
+                  <a:lnTo>
+                    <a:pt x="725424" y="4932163"/>
+                  </a:lnTo>
+                  <a:lnTo>
+                    <a:pt x="808849" y="4939984"/>
+                  </a:lnTo>
+                  <a:lnTo>
+                    <a:pt x="892490" y="4944976"/>
+                  </a:lnTo>
+                  <a:lnTo>
+                    <a:pt x="976252" y="4947132"/>
+                  </a:lnTo>
+                  <a:lnTo>
+                    <a:pt x="1060039" y="4946449"/>
+                  </a:lnTo>
+                  <a:lnTo>
+                    <a:pt x="1143755" y="4942930"/>
+                  </a:lnTo>
+                  <a:lnTo>
+                    <a:pt x="1227304" y="4936577"/>
+                  </a:lnTo>
+                  <a:lnTo>
+                    <a:pt x="1310590" y="4927398"/>
+                  </a:lnTo>
+                  <a:lnTo>
+                    <a:pt x="1393517" y="4915403"/>
+                  </a:lnTo>
+                  <a:lnTo>
+                    <a:pt x="1475990" y="4900607"/>
+                  </a:lnTo>
+                  <a:lnTo>
+                    <a:pt x="1557915" y="4883026"/>
+                  </a:lnTo>
+                  <a:lnTo>
+                    <a:pt x="1639197" y="4862680"/>
+                  </a:lnTo>
+                  <a:lnTo>
+                    <a:pt x="1719744" y="4839593"/>
+                  </a:lnTo>
+                  <a:lnTo>
+                    <a:pt x="1799462" y="4813792"/>
+                  </a:lnTo>
+                  <a:lnTo>
+                    <a:pt x="1878261" y="4785305"/>
+                  </a:lnTo>
+                  <a:lnTo>
+                    <a:pt x="1956050" y="4754165"/>
+                  </a:lnTo>
+                  <a:lnTo>
+                    <a:pt x="2032739" y="4720409"/>
+                  </a:lnTo>
+                  <a:lnTo>
+                    <a:pt x="2108242" y="4684075"/>
+                  </a:lnTo>
+                  <a:lnTo>
+                    <a:pt x="2182470" y="4645205"/>
+                  </a:lnTo>
+                  <a:lnTo>
+                    <a:pt x="2255340" y="4603843"/>
+                  </a:lnTo>
+                  <a:lnTo>
+                    <a:pt x="2326766" y="4560037"/>
+                  </a:lnTo>
+                  <a:lnTo>
+                    <a:pt x="2396668" y="4513836"/>
+                  </a:lnTo>
+                  <a:lnTo>
+                    <a:pt x="2464965" y="4465295"/>
+                  </a:lnTo>
+                  <a:lnTo>
+                    <a:pt x="2531579" y="4414468"/>
+                  </a:lnTo>
+                  <a:lnTo>
+                    <a:pt x="2596434" y="4361415"/>
+                  </a:lnTo>
+                  <a:lnTo>
+                    <a:pt x="2659454" y="4306195"/>
+                  </a:lnTo>
+                  <a:lnTo>
+                    <a:pt x="2720568" y="4248873"/>
+                  </a:lnTo>
+                  <a:lnTo>
+                    <a:pt x="2779705" y="4189514"/>
+                  </a:lnTo>
+                  <a:lnTo>
+                    <a:pt x="2836798" y="4128185"/>
+                  </a:lnTo>
+                  <a:lnTo>
+                    <a:pt x="2891782" y="4064959"/>
+                  </a:lnTo>
+                  <a:lnTo>
+                    <a:pt x="2944592" y="3999906"/>
+                  </a:lnTo>
+                  <a:lnTo>
+                    <a:pt x="2995168" y="3933102"/>
+                  </a:lnTo>
+                  <a:lnTo>
+                    <a:pt x="3043454" y="3864624"/>
+                  </a:lnTo>
+                  <a:lnTo>
+                    <a:pt x="3089392" y="3794549"/>
+                  </a:lnTo>
+                  <a:lnTo>
+                    <a:pt x="3132930" y="3722959"/>
+                  </a:lnTo>
+                  <a:lnTo>
+                    <a:pt x="3174019" y="3649935"/>
+                  </a:lnTo>
+                  <a:lnTo>
+                    <a:pt x="3212611" y="3575562"/>
+                  </a:lnTo>
+                  <a:lnTo>
+                    <a:pt x="3248662" y="3499924"/>
+                  </a:lnTo>
+                  <a:lnTo>
+                    <a:pt x="3282131" y="3423108"/>
+                  </a:lnTo>
+                  <a:lnTo>
+                    <a:pt x="3312978" y="3345203"/>
+                  </a:lnTo>
+                  <a:lnTo>
+                    <a:pt x="3341170" y="3266298"/>
+                  </a:lnTo>
+                  <a:lnTo>
+                    <a:pt x="3366673" y="3186484"/>
+                  </a:lnTo>
+                  <a:lnTo>
+                    <a:pt x="3389458" y="3105851"/>
+                  </a:lnTo>
+                  <a:lnTo>
+                    <a:pt x="3409499" y="3024493"/>
+                  </a:lnTo>
+                  <a:lnTo>
+                    <a:pt x="3426773" y="2942503"/>
+                  </a:lnTo>
+                  <a:lnTo>
+                    <a:pt x="3441260" y="2859975"/>
+                  </a:lnTo>
+                  <a:lnTo>
+                    <a:pt x="3452944" y="2777004"/>
+                  </a:lnTo>
+                  <a:lnTo>
+                    <a:pt x="3461811" y="2693684"/>
+                  </a:lnTo>
+                  <a:lnTo>
+                    <a:pt x="3467851" y="2610112"/>
+                  </a:lnTo>
+                  <a:lnTo>
+                    <a:pt x="3471057" y="2526384"/>
+                  </a:lnTo>
+                  <a:lnTo>
+                    <a:pt x="3471425" y="2442594"/>
+                  </a:lnTo>
+                  <a:lnTo>
+                    <a:pt x="3468956" y="2358841"/>
+                  </a:lnTo>
+                  <a:lnTo>
+                    <a:pt x="3463651" y="2275219"/>
+                  </a:lnTo>
+                  <a:lnTo>
+                    <a:pt x="3455517" y="2191825"/>
+                  </a:lnTo>
+                  <a:lnTo>
+                    <a:pt x="3444563" y="2108754"/>
+                  </a:lnTo>
+                  <a:lnTo>
+                    <a:pt x="3430802" y="2026101"/>
+                  </a:lnTo>
+                  <a:lnTo>
+                    <a:pt x="3414250" y="1943963"/>
+                  </a:lnTo>
+                  <a:lnTo>
+                    <a:pt x="3394925" y="1862432"/>
+                  </a:lnTo>
+                  <a:lnTo>
+                    <a:pt x="3372850" y="1781602"/>
+                  </a:lnTo>
+                  <a:lnTo>
+                    <a:pt x="3348050" y="1701566"/>
+                  </a:lnTo>
+                  <a:lnTo>
+                    <a:pt x="3320554" y="1622416"/>
+                  </a:lnTo>
+                  <a:lnTo>
+                    <a:pt x="3290392" y="1544243"/>
+                  </a:lnTo>
+                  <a:lnTo>
+                    <a:pt x="3257601" y="1467136"/>
+                  </a:lnTo>
+                  <a:lnTo>
+                    <a:pt x="3222216" y="1391184"/>
+                  </a:lnTo>
+                  <a:lnTo>
+                    <a:pt x="3184280" y="1316474"/>
+                  </a:lnTo>
+                  <a:lnTo>
+                    <a:pt x="3143835" y="1243092"/>
+                  </a:lnTo>
+                  <a:lnTo>
+                    <a:pt x="3100928" y="1171121"/>
+                  </a:lnTo>
+                  <a:lnTo>
+                    <a:pt x="3055608" y="1100645"/>
+                  </a:lnTo>
+                  <a:lnTo>
+                    <a:pt x="3007927" y="1031745"/>
+                  </a:lnTo>
+                  <a:lnTo>
+                    <a:pt x="2957939" y="964499"/>
+                  </a:lnTo>
+                  <a:lnTo>
+                    <a:pt x="2905703" y="898984"/>
+                  </a:lnTo>
+                  <a:lnTo>
+                    <a:pt x="2851278" y="835277"/>
+                  </a:lnTo>
+                  <a:lnTo>
+                    <a:pt x="2794727" y="773449"/>
+                  </a:lnTo>
+                  <a:lnTo>
+                    <a:pt x="2736114" y="713572"/>
+                  </a:lnTo>
+                  <a:lnTo>
+                    <a:pt x="2675506" y="655714"/>
+                  </a:lnTo>
+                  <a:lnTo>
+                    <a:pt x="2612974" y="599942"/>
+                  </a:lnTo>
+                  <a:lnTo>
+                    <a:pt x="2548589" y="546320"/>
+                  </a:lnTo>
+                  <a:lnTo>
+                    <a:pt x="2482424" y="494910"/>
+                  </a:lnTo>
+                  <a:lnTo>
+                    <a:pt x="2414557" y="445770"/>
+                  </a:lnTo>
+                  <a:lnTo>
+                    <a:pt x="2345064" y="398957"/>
+                  </a:lnTo>
+                  <a:lnTo>
+                    <a:pt x="2274025" y="354524"/>
+                  </a:lnTo>
+                  <a:lnTo>
+                    <a:pt x="2201522" y="312522"/>
+                  </a:lnTo>
+                  <a:lnTo>
+                    <a:pt x="2127639" y="273001"/>
+                  </a:lnTo>
+                  <a:lnTo>
+                    <a:pt x="2052459" y="236004"/>
+                  </a:lnTo>
+                  <a:lnTo>
+                    <a:pt x="1976069" y="201575"/>
+                  </a:lnTo>
+                  <a:lnTo>
+                    <a:pt x="1898557" y="169753"/>
+                  </a:lnTo>
+                  <a:lnTo>
+                    <a:pt x="1820012" y="140574"/>
+                  </a:lnTo>
+                  <a:lnTo>
+                    <a:pt x="1740523" y="114072"/>
+                  </a:lnTo>
+                  <a:lnTo>
+                    <a:pt x="1660183" y="90278"/>
+                  </a:lnTo>
+                  <a:lnTo>
+                    <a:pt x="1579082" y="69218"/>
+                  </a:lnTo>
+                  <a:lnTo>
+                    <a:pt x="1497315" y="50917"/>
+                  </a:lnTo>
+                  <a:lnTo>
+                    <a:pt x="1414975" y="35396"/>
+                  </a:lnTo>
+                  <a:lnTo>
+                    <a:pt x="1332157" y="22673"/>
+                  </a:lnTo>
+                  <a:lnTo>
+                    <a:pt x="1248955" y="12762"/>
+                  </a:lnTo>
+                  <a:lnTo>
+                    <a:pt x="1165466" y="5674"/>
+                  </a:lnTo>
+                  <a:lnTo>
+                    <a:pt x="1081784" y="1419"/>
+                  </a:lnTo>
+                  <a:lnTo>
+                    <a:pt x="998006" y="0"/>
+                  </a:lnTo>
+                  <a:lnTo>
+                    <a:pt x="998006" y="85297"/>
+                  </a:lnTo>
+                  <a:lnTo>
+                    <a:pt x="998006" y="170594"/>
+                  </a:lnTo>
+                  <a:lnTo>
+                    <a:pt x="998006" y="255891"/>
+                  </a:lnTo>
+                  <a:lnTo>
+                    <a:pt x="998006" y="341188"/>
+                  </a:lnTo>
+                  <a:lnTo>
+                    <a:pt x="998006" y="426485"/>
+                  </a:lnTo>
+                  <a:lnTo>
+                    <a:pt x="998006" y="511782"/>
+                  </a:lnTo>
+                  <a:lnTo>
+                    <a:pt x="998006" y="597079"/>
+                  </a:lnTo>
+                  <a:lnTo>
+                    <a:pt x="998006" y="682376"/>
+                  </a:lnTo>
+                  <a:lnTo>
+                    <a:pt x="998006" y="767673"/>
+                  </a:lnTo>
+                  <a:lnTo>
+                    <a:pt x="998006" y="852970"/>
+                  </a:lnTo>
+                  <a:lnTo>
+                    <a:pt x="998006" y="938267"/>
+                  </a:lnTo>
+                  <a:lnTo>
+                    <a:pt x="998006" y="1023564"/>
+                  </a:lnTo>
+                  <a:lnTo>
+                    <a:pt x="998006" y="1108861"/>
+                  </a:lnTo>
+                  <a:lnTo>
+                    <a:pt x="998006" y="1194158"/>
+                  </a:lnTo>
+                  <a:lnTo>
+                    <a:pt x="998006" y="1279455"/>
+                  </a:lnTo>
+                  <a:lnTo>
+                    <a:pt x="998006" y="1364752"/>
+                  </a:lnTo>
+                  <a:lnTo>
+                    <a:pt x="998006" y="1450049"/>
+                  </a:lnTo>
+                  <a:lnTo>
+                    <a:pt x="998006" y="1535346"/>
+                  </a:lnTo>
+                  <a:lnTo>
+                    <a:pt x="998006" y="1620643"/>
+                  </a:lnTo>
+                  <a:lnTo>
+                    <a:pt x="998006" y="1705940"/>
+                  </a:lnTo>
+                  <a:lnTo>
+                    <a:pt x="998006" y="1791237"/>
+                  </a:lnTo>
+                  <a:lnTo>
+                    <a:pt x="998006" y="1876534"/>
+                  </a:lnTo>
+                  <a:lnTo>
+                    <a:pt x="998006" y="1961831"/>
+                  </a:lnTo>
+                  <a:lnTo>
+                    <a:pt x="998006" y="2047128"/>
+                  </a:lnTo>
+                  <a:lnTo>
+                    <a:pt x="998006" y="2132425"/>
+                  </a:lnTo>
+                  <a:lnTo>
+                    <a:pt x="998006" y="2217722"/>
+                  </a:lnTo>
+                  <a:lnTo>
+                    <a:pt x="998006" y="2303019"/>
+                  </a:lnTo>
+                  <a:lnTo>
+                    <a:pt x="998006" y="2388316"/>
                   </a:lnTo>
                   <a:close/>
                 </a:path>
@@ -2815,285 +2827,279 @@
           </p:nvSpPr>
           <p:spPr>
             <a:xfrm>
-              <a:off x="3040124" y="4223182"/>
-              <a:ext cx="2446275" cy="2364863"/>
+              <a:off x="3020819" y="4223182"/>
+              <a:ext cx="2465580" cy="2263349"/>
             </a:xfrm>
             <a:custGeom>
               <a:avLst/>
               <a:pathLst>
-                <a:path w="2446275" h="2364863">
+                <a:path w="2465580" h="2263349">
                   <a:moveTo>
-                    <a:pt x="2446275" y="0"/>
+                    <a:pt x="2465580" y="0"/>
                   </a:moveTo>
                   <a:lnTo>
-                    <a:pt x="2361920" y="12646"/>
-                  </a:lnTo>
-                  <a:lnTo>
-                    <a:pt x="2277566" y="25292"/>
-                  </a:lnTo>
-                  <a:lnTo>
-                    <a:pt x="2193212" y="37939"/>
-                  </a:lnTo>
-                  <a:lnTo>
-                    <a:pt x="2108857" y="50585"/>
-                  </a:lnTo>
-                  <a:lnTo>
-                    <a:pt x="2024503" y="63232"/>
-                  </a:lnTo>
-                  <a:lnTo>
-                    <a:pt x="1940149" y="75878"/>
-                  </a:lnTo>
-                  <a:lnTo>
-                    <a:pt x="1855795" y="88525"/>
-                  </a:lnTo>
-                  <a:lnTo>
-                    <a:pt x="1771440" y="101171"/>
-                  </a:lnTo>
-                  <a:lnTo>
-                    <a:pt x="1687086" y="113818"/>
-                  </a:lnTo>
-                  <a:lnTo>
-                    <a:pt x="1602732" y="126464"/>
-                  </a:lnTo>
-                  <a:lnTo>
-                    <a:pt x="1518377" y="139110"/>
-                  </a:lnTo>
-                  <a:lnTo>
-                    <a:pt x="1434023" y="151757"/>
-                  </a:lnTo>
-                  <a:lnTo>
-                    <a:pt x="1349669" y="164403"/>
-                  </a:lnTo>
-                  <a:lnTo>
-                    <a:pt x="1265314" y="177050"/>
-                  </a:lnTo>
-                  <a:lnTo>
-                    <a:pt x="1180960" y="189696"/>
-                  </a:lnTo>
-                  <a:lnTo>
-                    <a:pt x="1096606" y="202343"/>
-                  </a:lnTo>
-                  <a:lnTo>
-                    <a:pt x="1012251" y="214989"/>
-                  </a:lnTo>
-                  <a:lnTo>
-                    <a:pt x="927897" y="227636"/>
-                  </a:lnTo>
-                  <a:lnTo>
-                    <a:pt x="843543" y="240282"/>
-                  </a:lnTo>
-                  <a:lnTo>
-                    <a:pt x="759188" y="252928"/>
-                  </a:lnTo>
-                  <a:lnTo>
-                    <a:pt x="674834" y="265575"/>
-                  </a:lnTo>
-                  <a:lnTo>
-                    <a:pt x="590480" y="278221"/>
-                  </a:lnTo>
-                  <a:lnTo>
-                    <a:pt x="506125" y="290868"/>
-                  </a:lnTo>
-                  <a:lnTo>
-                    <a:pt x="421771" y="303514"/>
-                  </a:lnTo>
-                  <a:lnTo>
-                    <a:pt x="337417" y="316161"/>
-                  </a:lnTo>
-                  <a:lnTo>
-                    <a:pt x="253062" y="328807"/>
-                  </a:lnTo>
-                  <a:lnTo>
-                    <a:pt x="168708" y="341454"/>
-                  </a:lnTo>
-                  <a:lnTo>
-                    <a:pt x="84354" y="354100"/>
-                  </a:lnTo>
-                  <a:lnTo>
-                    <a:pt x="0" y="366747"/>
-                  </a:lnTo>
-                  <a:lnTo>
-                    <a:pt x="13912" y="449866"/>
-                  </a:lnTo>
-                  <a:lnTo>
-                    <a:pt x="30649" y="532463"/>
-                  </a:lnTo>
-                  <a:lnTo>
-                    <a:pt x="50189" y="614442"/>
-                  </a:lnTo>
-                  <a:lnTo>
-                    <a:pt x="72511" y="695708"/>
-                  </a:lnTo>
-                  <a:lnTo>
-                    <a:pt x="97588" y="776166"/>
-                  </a:lnTo>
-                  <a:lnTo>
-                    <a:pt x="125391" y="855723"/>
-                  </a:lnTo>
-                  <a:lnTo>
-                    <a:pt x="155888" y="934287"/>
-                  </a:lnTo>
-                  <a:lnTo>
-                    <a:pt x="189044" y="1011767"/>
-                  </a:lnTo>
-                  <a:lnTo>
-                    <a:pt x="224819" y="1088072"/>
-                  </a:lnTo>
-                  <a:lnTo>
-                    <a:pt x="263174" y="1163114"/>
-                  </a:lnTo>
-                  <a:lnTo>
-                    <a:pt x="304062" y="1236806"/>
-                  </a:lnTo>
-                  <a:lnTo>
-                    <a:pt x="347437" y="1309063"/>
-                  </a:lnTo>
-                  <a:lnTo>
-                    <a:pt x="393248" y="1379800"/>
-                  </a:lnTo>
-                  <a:lnTo>
-                    <a:pt x="441443" y="1448935"/>
-                  </a:lnTo>
-                  <a:lnTo>
-                    <a:pt x="491964" y="1516389"/>
-                  </a:lnTo>
-                  <a:lnTo>
-                    <a:pt x="544754" y="1582082"/>
-                  </a:lnTo>
-                  <a:lnTo>
-                    <a:pt x="599751" y="1645939"/>
-                  </a:lnTo>
-                  <a:lnTo>
-                    <a:pt x="656892" y="1707885"/>
-                  </a:lnTo>
-                  <a:lnTo>
-                    <a:pt x="716109" y="1767849"/>
-                  </a:lnTo>
-                  <a:lnTo>
-                    <a:pt x="777335" y="1825761"/>
-                  </a:lnTo>
-                  <a:lnTo>
-                    <a:pt x="840498" y="1881554"/>
-                  </a:lnTo>
-                  <a:lnTo>
-                    <a:pt x="905525" y="1935162"/>
-                  </a:lnTo>
-                  <a:lnTo>
-                    <a:pt x="972340" y="1986525"/>
-                  </a:lnTo>
-                  <a:lnTo>
-                    <a:pt x="1040866" y="2035581"/>
-                  </a:lnTo>
-                  <a:lnTo>
-                    <a:pt x="1111024" y="2082275"/>
-                  </a:lnTo>
-                  <a:lnTo>
-                    <a:pt x="1182732" y="2126552"/>
-                  </a:lnTo>
-                  <a:lnTo>
-                    <a:pt x="1255906" y="2168360"/>
-                  </a:lnTo>
-                  <a:lnTo>
-                    <a:pt x="1330462" y="2207651"/>
-                  </a:lnTo>
-                  <a:lnTo>
-                    <a:pt x="1406313" y="2244380"/>
-                  </a:lnTo>
-                  <a:lnTo>
-                    <a:pt x="1483371" y="2278504"/>
-                  </a:lnTo>
-                  <a:lnTo>
-                    <a:pt x="1561547" y="2309983"/>
-                  </a:lnTo>
-                  <a:lnTo>
-                    <a:pt x="1640749" y="2338780"/>
-                  </a:lnTo>
-                  <a:lnTo>
-                    <a:pt x="1720887" y="2364863"/>
-                  </a:lnTo>
-                  <a:lnTo>
-                    <a:pt x="1745901" y="2283316"/>
-                  </a:lnTo>
-                  <a:lnTo>
-                    <a:pt x="1770914" y="2201769"/>
-                  </a:lnTo>
-                  <a:lnTo>
-                    <a:pt x="1795927" y="2120222"/>
-                  </a:lnTo>
-                  <a:lnTo>
-                    <a:pt x="1820941" y="2038675"/>
-                  </a:lnTo>
-                  <a:lnTo>
-                    <a:pt x="1845954" y="1957128"/>
-                  </a:lnTo>
-                  <a:lnTo>
-                    <a:pt x="1870967" y="1875581"/>
-                  </a:lnTo>
-                  <a:lnTo>
-                    <a:pt x="1895981" y="1794034"/>
-                  </a:lnTo>
-                  <a:lnTo>
-                    <a:pt x="1920994" y="1712487"/>
-                  </a:lnTo>
-                  <a:lnTo>
-                    <a:pt x="1946008" y="1630940"/>
-                  </a:lnTo>
-                  <a:lnTo>
-                    <a:pt x="1971021" y="1549393"/>
-                  </a:lnTo>
-                  <a:lnTo>
-                    <a:pt x="1996034" y="1467846"/>
-                  </a:lnTo>
-                  <a:lnTo>
-                    <a:pt x="2021048" y="1386299"/>
-                  </a:lnTo>
-                  <a:lnTo>
-                    <a:pt x="2046061" y="1304752"/>
-                  </a:lnTo>
-                  <a:lnTo>
-                    <a:pt x="2071074" y="1223205"/>
-                  </a:lnTo>
-                  <a:lnTo>
-                    <a:pt x="2096088" y="1141658"/>
-                  </a:lnTo>
-                  <a:lnTo>
-                    <a:pt x="2121101" y="1060111"/>
-                  </a:lnTo>
-                  <a:lnTo>
-                    <a:pt x="2146114" y="978564"/>
-                  </a:lnTo>
-                  <a:lnTo>
-                    <a:pt x="2171128" y="897017"/>
-                  </a:lnTo>
-                  <a:lnTo>
-                    <a:pt x="2196141" y="815470"/>
-                  </a:lnTo>
-                  <a:lnTo>
-                    <a:pt x="2221155" y="733923"/>
-                  </a:lnTo>
-                  <a:lnTo>
-                    <a:pt x="2246168" y="652376"/>
-                  </a:lnTo>
-                  <a:lnTo>
-                    <a:pt x="2271181" y="570829"/>
-                  </a:lnTo>
-                  <a:lnTo>
-                    <a:pt x="2296195" y="489282"/>
-                  </a:lnTo>
-                  <a:lnTo>
-                    <a:pt x="2321208" y="407735"/>
-                  </a:lnTo>
-                  <a:lnTo>
-                    <a:pt x="2346221" y="326188"/>
-                  </a:lnTo>
-                  <a:lnTo>
-                    <a:pt x="2371235" y="244641"/>
-                  </a:lnTo>
-                  <a:lnTo>
-                    <a:pt x="2396248" y="163094"/>
-                  </a:lnTo>
-                  <a:lnTo>
-                    <a:pt x="2421261" y="81547"/>
+                    <a:pt x="2380560" y="6868"/>
+                  </a:lnTo>
+                  <a:lnTo>
+                    <a:pt x="2295540" y="13737"/>
+                  </a:lnTo>
+                  <a:lnTo>
+                    <a:pt x="2210520" y="20606"/>
+                  </a:lnTo>
+                  <a:lnTo>
+                    <a:pt x="2125500" y="27475"/>
+                  </a:lnTo>
+                  <a:lnTo>
+                    <a:pt x="2040480" y="34344"/>
+                  </a:lnTo>
+                  <a:lnTo>
+                    <a:pt x="1955460" y="41213"/>
+                  </a:lnTo>
+                  <a:lnTo>
+                    <a:pt x="1870440" y="48082"/>
+                  </a:lnTo>
+                  <a:lnTo>
+                    <a:pt x="1785420" y="54951"/>
+                  </a:lnTo>
+                  <a:lnTo>
+                    <a:pt x="1700400" y="61819"/>
+                  </a:lnTo>
+                  <a:lnTo>
+                    <a:pt x="1615380" y="68688"/>
+                  </a:lnTo>
+                  <a:lnTo>
+                    <a:pt x="1530360" y="75557"/>
+                  </a:lnTo>
+                  <a:lnTo>
+                    <a:pt x="1445340" y="82426"/>
+                  </a:lnTo>
+                  <a:lnTo>
+                    <a:pt x="1360320" y="89295"/>
+                  </a:lnTo>
+                  <a:lnTo>
+                    <a:pt x="1275300" y="96164"/>
+                  </a:lnTo>
+                  <a:lnTo>
+                    <a:pt x="1190280" y="103033"/>
+                  </a:lnTo>
+                  <a:lnTo>
+                    <a:pt x="1105260" y="109902"/>
+                  </a:lnTo>
+                  <a:lnTo>
+                    <a:pt x="1020240" y="116771"/>
+                  </a:lnTo>
+                  <a:lnTo>
+                    <a:pt x="935220" y="123639"/>
+                  </a:lnTo>
+                  <a:lnTo>
+                    <a:pt x="850200" y="130508"/>
+                  </a:lnTo>
+                  <a:lnTo>
+                    <a:pt x="765180" y="137377"/>
+                  </a:lnTo>
+                  <a:lnTo>
+                    <a:pt x="680160" y="144246"/>
+                  </a:lnTo>
+                  <a:lnTo>
+                    <a:pt x="595140" y="151115"/>
+                  </a:lnTo>
+                  <a:lnTo>
+                    <a:pt x="510120" y="157984"/>
+                  </a:lnTo>
+                  <a:lnTo>
+                    <a:pt x="425100" y="164853"/>
+                  </a:lnTo>
+                  <a:lnTo>
+                    <a:pt x="340080" y="171722"/>
+                  </a:lnTo>
+                  <a:lnTo>
+                    <a:pt x="255060" y="178591"/>
+                  </a:lnTo>
+                  <a:lnTo>
+                    <a:pt x="170040" y="185459"/>
+                  </a:lnTo>
+                  <a:lnTo>
+                    <a:pt x="85020" y="192328"/>
+                  </a:lnTo>
+                  <a:lnTo>
+                    <a:pt x="0" y="199197"/>
+                  </a:lnTo>
+                  <a:lnTo>
+                    <a:pt x="8387" y="284551"/>
+                  </a:lnTo>
+                  <a:lnTo>
+                    <a:pt x="19728" y="369563"/>
+                  </a:lnTo>
+                  <a:lnTo>
+                    <a:pt x="34010" y="454130"/>
+                  </a:lnTo>
+                  <a:lnTo>
+                    <a:pt x="51215" y="538152"/>
+                  </a:lnTo>
+                  <a:lnTo>
+                    <a:pt x="71322" y="621527"/>
+                  </a:lnTo>
+                  <a:lnTo>
+                    <a:pt x="94308" y="704154"/>
+                  </a:lnTo>
+                  <a:lnTo>
+                    <a:pt x="120144" y="785935"/>
+                  </a:lnTo>
+                  <a:lnTo>
+                    <a:pt x="148799" y="866771"/>
+                  </a:lnTo>
+                  <a:lnTo>
+                    <a:pt x="180240" y="946566"/>
+                  </a:lnTo>
+                  <a:lnTo>
+                    <a:pt x="214428" y="1025222"/>
+                  </a:lnTo>
+                  <a:lnTo>
+                    <a:pt x="251322" y="1102646"/>
+                  </a:lnTo>
+                  <a:lnTo>
+                    <a:pt x="290878" y="1178744"/>
+                  </a:lnTo>
+                  <a:lnTo>
+                    <a:pt x="333049" y="1253425"/>
+                  </a:lnTo>
+                  <a:lnTo>
+                    <a:pt x="377782" y="1326600"/>
+                  </a:lnTo>
+                  <a:lnTo>
+                    <a:pt x="425026" y="1398179"/>
+                  </a:lnTo>
+                  <a:lnTo>
+                    <a:pt x="474723" y="1468078"/>
+                  </a:lnTo>
+                  <a:lnTo>
+                    <a:pt x="526813" y="1536212"/>
+                  </a:lnTo>
+                  <a:lnTo>
+                    <a:pt x="581234" y="1602500"/>
+                  </a:lnTo>
+                  <a:lnTo>
+                    <a:pt x="637920" y="1666861"/>
+                  </a:lnTo>
+                  <a:lnTo>
+                    <a:pt x="696803" y="1729218"/>
+                  </a:lnTo>
+                  <a:lnTo>
+                    <a:pt x="757813" y="1789496"/>
+                  </a:lnTo>
+                  <a:lnTo>
+                    <a:pt x="820875" y="1847623"/>
+                  </a:lnTo>
+                  <a:lnTo>
+                    <a:pt x="885915" y="1903529"/>
+                  </a:lnTo>
+                  <a:lnTo>
+                    <a:pt x="952854" y="1957147"/>
+                  </a:lnTo>
+                  <a:lnTo>
+                    <a:pt x="1021611" y="2008412"/>
+                  </a:lnTo>
+                  <a:lnTo>
+                    <a:pt x="1092104" y="2057262"/>
+                  </a:lnTo>
+                  <a:lnTo>
+                    <a:pt x="1164248" y="2103639"/>
+                  </a:lnTo>
+                  <a:lnTo>
+                    <a:pt x="1237956" y="2147488"/>
+                  </a:lnTo>
+                  <a:lnTo>
+                    <a:pt x="1313141" y="2188755"/>
+                  </a:lnTo>
+                  <a:lnTo>
+                    <a:pt x="1389710" y="2227391"/>
+                  </a:lnTo>
+                  <a:lnTo>
+                    <a:pt x="1467573" y="2263349"/>
+                  </a:lnTo>
+                  <a:lnTo>
+                    <a:pt x="1501987" y="2185302"/>
+                  </a:lnTo>
+                  <a:lnTo>
+                    <a:pt x="1536401" y="2107256"/>
+                  </a:lnTo>
+                  <a:lnTo>
+                    <a:pt x="1570815" y="2029209"/>
+                  </a:lnTo>
+                  <a:lnTo>
+                    <a:pt x="1605229" y="1951163"/>
+                  </a:lnTo>
+                  <a:lnTo>
+                    <a:pt x="1639643" y="1873116"/>
+                  </a:lnTo>
+                  <a:lnTo>
+                    <a:pt x="1674057" y="1795069"/>
+                  </a:lnTo>
+                  <a:lnTo>
+                    <a:pt x="1708471" y="1717023"/>
+                  </a:lnTo>
+                  <a:lnTo>
+                    <a:pt x="1742886" y="1638976"/>
+                  </a:lnTo>
+                  <a:lnTo>
+                    <a:pt x="1777300" y="1560930"/>
+                  </a:lnTo>
+                  <a:lnTo>
+                    <a:pt x="1811714" y="1482883"/>
+                  </a:lnTo>
+                  <a:lnTo>
+                    <a:pt x="1846128" y="1404837"/>
+                  </a:lnTo>
+                  <a:lnTo>
+                    <a:pt x="1880542" y="1326790"/>
+                  </a:lnTo>
+                  <a:lnTo>
+                    <a:pt x="1914956" y="1248744"/>
+                  </a:lnTo>
+                  <a:lnTo>
+                    <a:pt x="1949370" y="1170697"/>
+                  </a:lnTo>
+                  <a:lnTo>
+                    <a:pt x="1983784" y="1092651"/>
+                  </a:lnTo>
+                  <a:lnTo>
+                    <a:pt x="2018198" y="1014604"/>
+                  </a:lnTo>
+                  <a:lnTo>
+                    <a:pt x="2052612" y="936558"/>
+                  </a:lnTo>
+                  <a:lnTo>
+                    <a:pt x="2087026" y="858511"/>
+                  </a:lnTo>
+                  <a:lnTo>
+                    <a:pt x="2121440" y="780465"/>
+                  </a:lnTo>
+                  <a:lnTo>
+                    <a:pt x="2155854" y="702418"/>
+                  </a:lnTo>
+                  <a:lnTo>
+                    <a:pt x="2190268" y="624372"/>
+                  </a:lnTo>
+                  <a:lnTo>
+                    <a:pt x="2224682" y="546325"/>
+                  </a:lnTo>
+                  <a:lnTo>
+                    <a:pt x="2259096" y="468279"/>
+                  </a:lnTo>
+                  <a:lnTo>
+                    <a:pt x="2293510" y="390232"/>
+                  </a:lnTo>
+                  <a:lnTo>
+                    <a:pt x="2327924" y="312186"/>
+                  </a:lnTo>
+                  <a:lnTo>
+                    <a:pt x="2362338" y="234139"/>
+                  </a:lnTo>
+                  <a:lnTo>
+                    <a:pt x="2396752" y="156093"/>
+                  </a:lnTo>
+                  <a:lnTo>
+                    <a:pt x="2431166" y="78046"/>
                   </a:lnTo>
                   <a:close/>
                 </a:path>
@@ -3128,195 +3134,198 @@
           </p:nvSpPr>
           <p:spPr>
             <a:xfrm>
-              <a:off x="3013124" y="4223182"/>
-              <a:ext cx="2473275" cy="366747"/>
+              <a:off x="3012970" y="4084270"/>
+              <a:ext cx="2473429" cy="338109"/>
             </a:xfrm>
             <a:custGeom>
               <a:avLst/>
               <a:pathLst>
-                <a:path w="2473275" h="366747">
+                <a:path w="2473429" h="338109">
                   <a:moveTo>
-                    <a:pt x="2473275" y="0"/>
+                    <a:pt x="2473429" y="138912"/>
                   </a:moveTo>
                   <a:lnTo>
-                    <a:pt x="2387990" y="1410"/>
-                  </a:lnTo>
-                  <a:lnTo>
-                    <a:pt x="2302705" y="2820"/>
-                  </a:lnTo>
-                  <a:lnTo>
-                    <a:pt x="2217419" y="4230"/>
-                  </a:lnTo>
-                  <a:lnTo>
-                    <a:pt x="2132134" y="5641"/>
-                  </a:lnTo>
-                  <a:lnTo>
-                    <a:pt x="2046848" y="7051"/>
-                  </a:lnTo>
-                  <a:lnTo>
-                    <a:pt x="1961563" y="8461"/>
-                  </a:lnTo>
-                  <a:lnTo>
-                    <a:pt x="1876278" y="9872"/>
-                  </a:lnTo>
-                  <a:lnTo>
-                    <a:pt x="1790992" y="11282"/>
-                  </a:lnTo>
-                  <a:lnTo>
-                    <a:pt x="1705707" y="12692"/>
-                  </a:lnTo>
-                  <a:lnTo>
-                    <a:pt x="1620422" y="14102"/>
-                  </a:lnTo>
-                  <a:lnTo>
-                    <a:pt x="1535136" y="15513"/>
-                  </a:lnTo>
-                  <a:lnTo>
-                    <a:pt x="1449851" y="16923"/>
-                  </a:lnTo>
-                  <a:lnTo>
-                    <a:pt x="1364565" y="18333"/>
-                  </a:lnTo>
-                  <a:lnTo>
-                    <a:pt x="1279280" y="19744"/>
-                  </a:lnTo>
-                  <a:lnTo>
-                    <a:pt x="1193995" y="21154"/>
-                  </a:lnTo>
-                  <a:lnTo>
-                    <a:pt x="1108709" y="22564"/>
-                  </a:lnTo>
-                  <a:lnTo>
-                    <a:pt x="1023424" y="23975"/>
-                  </a:lnTo>
-                  <a:lnTo>
-                    <a:pt x="938139" y="25385"/>
-                  </a:lnTo>
-                  <a:lnTo>
-                    <a:pt x="852853" y="26795"/>
-                  </a:lnTo>
-                  <a:lnTo>
-                    <a:pt x="767568" y="28205"/>
-                  </a:lnTo>
-                  <a:lnTo>
-                    <a:pt x="682282" y="29616"/>
-                  </a:lnTo>
-                  <a:lnTo>
-                    <a:pt x="596997" y="31026"/>
-                  </a:lnTo>
-                  <a:lnTo>
-                    <a:pt x="511712" y="32436"/>
-                  </a:lnTo>
-                  <a:lnTo>
-                    <a:pt x="426426" y="33847"/>
-                  </a:lnTo>
-                  <a:lnTo>
-                    <a:pt x="341141" y="35257"/>
-                  </a:lnTo>
-                  <a:lnTo>
-                    <a:pt x="255856" y="36667"/>
-                  </a:lnTo>
-                  <a:lnTo>
-                    <a:pt x="170570" y="38078"/>
-                  </a:lnTo>
-                  <a:lnTo>
-                    <a:pt x="85285" y="39488"/>
-                  </a:lnTo>
-                  <a:lnTo>
-                    <a:pt x="0" y="40898"/>
-                  </a:lnTo>
-                  <a:lnTo>
-                    <a:pt x="4206" y="149876"/>
-                  </a:lnTo>
-                  <a:lnTo>
-                    <a:pt x="13212" y="258563"/>
-                  </a:lnTo>
-                  <a:lnTo>
-                    <a:pt x="27000" y="366747"/>
-                  </a:lnTo>
-                  <a:lnTo>
-                    <a:pt x="111354" y="354100"/>
-                  </a:lnTo>
-                  <a:lnTo>
-                    <a:pt x="195709" y="341454"/>
-                  </a:lnTo>
-                  <a:lnTo>
-                    <a:pt x="280063" y="328807"/>
-                  </a:lnTo>
-                  <a:lnTo>
-                    <a:pt x="364417" y="316161"/>
-                  </a:lnTo>
-                  <a:lnTo>
-                    <a:pt x="448772" y="303514"/>
-                  </a:lnTo>
-                  <a:lnTo>
-                    <a:pt x="533126" y="290868"/>
-                  </a:lnTo>
-                  <a:lnTo>
-                    <a:pt x="617480" y="278221"/>
-                  </a:lnTo>
-                  <a:lnTo>
-                    <a:pt x="701835" y="265575"/>
-                  </a:lnTo>
-                  <a:lnTo>
-                    <a:pt x="786189" y="252928"/>
-                  </a:lnTo>
-                  <a:lnTo>
-                    <a:pt x="870543" y="240282"/>
-                  </a:lnTo>
-                  <a:lnTo>
-                    <a:pt x="954898" y="227636"/>
-                  </a:lnTo>
-                  <a:lnTo>
-                    <a:pt x="1039252" y="214989"/>
-                  </a:lnTo>
-                  <a:lnTo>
-                    <a:pt x="1123606" y="202343"/>
-                  </a:lnTo>
-                  <a:lnTo>
-                    <a:pt x="1207961" y="189696"/>
-                  </a:lnTo>
-                  <a:lnTo>
-                    <a:pt x="1292315" y="177050"/>
-                  </a:lnTo>
-                  <a:lnTo>
-                    <a:pt x="1376669" y="164403"/>
-                  </a:lnTo>
-                  <a:lnTo>
-                    <a:pt x="1461023" y="151757"/>
-                  </a:lnTo>
-                  <a:lnTo>
-                    <a:pt x="1545378" y="139110"/>
-                  </a:lnTo>
-                  <a:lnTo>
-                    <a:pt x="1629732" y="126464"/>
-                  </a:lnTo>
-                  <a:lnTo>
-                    <a:pt x="1714086" y="113818"/>
-                  </a:lnTo>
-                  <a:lnTo>
-                    <a:pt x="1798441" y="101171"/>
-                  </a:lnTo>
-                  <a:lnTo>
-                    <a:pt x="1882795" y="88525"/>
-                  </a:lnTo>
-                  <a:lnTo>
-                    <a:pt x="1967149" y="75878"/>
-                  </a:lnTo>
-                  <a:lnTo>
-                    <a:pt x="2051504" y="63232"/>
-                  </a:lnTo>
-                  <a:lnTo>
-                    <a:pt x="2135858" y="50585"/>
-                  </a:lnTo>
-                  <a:lnTo>
-                    <a:pt x="2220212" y="37939"/>
-                  </a:lnTo>
-                  <a:lnTo>
-                    <a:pt x="2304567" y="25292"/>
-                  </a:lnTo>
-                  <a:lnTo>
-                    <a:pt x="2388921" y="12646"/>
+                    <a:pt x="2388266" y="134122"/>
+                  </a:lnTo>
+                  <a:lnTo>
+                    <a:pt x="2303104" y="129331"/>
+                  </a:lnTo>
+                  <a:lnTo>
+                    <a:pt x="2217942" y="124541"/>
+                  </a:lnTo>
+                  <a:lnTo>
+                    <a:pt x="2132779" y="119751"/>
+                  </a:lnTo>
+                  <a:lnTo>
+                    <a:pt x="2047617" y="114961"/>
+                  </a:lnTo>
+                  <a:lnTo>
+                    <a:pt x="1962454" y="110171"/>
+                  </a:lnTo>
+                  <a:lnTo>
+                    <a:pt x="1877292" y="105381"/>
+                  </a:lnTo>
+                  <a:lnTo>
+                    <a:pt x="1792129" y="100591"/>
+                  </a:lnTo>
+                  <a:lnTo>
+                    <a:pt x="1706967" y="95801"/>
+                  </a:lnTo>
+                  <a:lnTo>
+                    <a:pt x="1621805" y="91011"/>
+                  </a:lnTo>
+                  <a:lnTo>
+                    <a:pt x="1536642" y="86221"/>
+                  </a:lnTo>
+                  <a:lnTo>
+                    <a:pt x="1451480" y="81431"/>
+                  </a:lnTo>
+                  <a:lnTo>
+                    <a:pt x="1366317" y="76641"/>
+                  </a:lnTo>
+                  <a:lnTo>
+                    <a:pt x="1281155" y="71851"/>
+                  </a:lnTo>
+                  <a:lnTo>
+                    <a:pt x="1195993" y="67061"/>
+                  </a:lnTo>
+                  <a:lnTo>
+                    <a:pt x="1110830" y="62270"/>
+                  </a:lnTo>
+                  <a:lnTo>
+                    <a:pt x="1025668" y="57480"/>
+                  </a:lnTo>
+                  <a:lnTo>
+                    <a:pt x="940505" y="52690"/>
+                  </a:lnTo>
+                  <a:lnTo>
+                    <a:pt x="855343" y="47900"/>
+                  </a:lnTo>
+                  <a:lnTo>
+                    <a:pt x="770180" y="43110"/>
+                  </a:lnTo>
+                  <a:lnTo>
+                    <a:pt x="685018" y="38320"/>
+                  </a:lnTo>
+                  <a:lnTo>
+                    <a:pt x="599856" y="33530"/>
+                  </a:lnTo>
+                  <a:lnTo>
+                    <a:pt x="514693" y="28740"/>
+                  </a:lnTo>
+                  <a:lnTo>
+                    <a:pt x="429531" y="23950"/>
+                  </a:lnTo>
+                  <a:lnTo>
+                    <a:pt x="344368" y="19160"/>
+                  </a:lnTo>
+                  <a:lnTo>
+                    <a:pt x="259206" y="14370"/>
+                  </a:lnTo>
+                  <a:lnTo>
+                    <a:pt x="174043" y="9580"/>
+                  </a:lnTo>
+                  <a:lnTo>
+                    <a:pt x="88881" y="4790"/>
+                  </a:lnTo>
+                  <a:lnTo>
+                    <a:pt x="3719" y="0"/>
+                  </a:lnTo>
+                  <a:lnTo>
+                    <a:pt x="413" y="84530"/>
+                  </a:lnTo>
+                  <a:lnTo>
+                    <a:pt x="0" y="169125"/>
+                  </a:lnTo>
+                  <a:lnTo>
+                    <a:pt x="2479" y="253684"/>
+                  </a:lnTo>
+                  <a:lnTo>
+                    <a:pt x="7849" y="338109"/>
+                  </a:lnTo>
+                  <a:lnTo>
+                    <a:pt x="92869" y="331240"/>
+                  </a:lnTo>
+                  <a:lnTo>
+                    <a:pt x="177889" y="324372"/>
+                  </a:lnTo>
+                  <a:lnTo>
+                    <a:pt x="262909" y="317503"/>
+                  </a:lnTo>
+                  <a:lnTo>
+                    <a:pt x="347929" y="310634"/>
+                  </a:lnTo>
+                  <a:lnTo>
+                    <a:pt x="432949" y="303765"/>
+                  </a:lnTo>
+                  <a:lnTo>
+                    <a:pt x="517969" y="296896"/>
+                  </a:lnTo>
+                  <a:lnTo>
+                    <a:pt x="602989" y="290027"/>
+                  </a:lnTo>
+                  <a:lnTo>
+                    <a:pt x="688009" y="283158"/>
+                  </a:lnTo>
+                  <a:lnTo>
+                    <a:pt x="773029" y="276289"/>
+                  </a:lnTo>
+                  <a:lnTo>
+                    <a:pt x="858049" y="269420"/>
+                  </a:lnTo>
+                  <a:lnTo>
+                    <a:pt x="943069" y="262552"/>
+                  </a:lnTo>
+                  <a:lnTo>
+                    <a:pt x="1028089" y="255683"/>
+                  </a:lnTo>
+                  <a:lnTo>
+                    <a:pt x="1113109" y="248814"/>
+                  </a:lnTo>
+                  <a:lnTo>
+                    <a:pt x="1198129" y="241945"/>
+                  </a:lnTo>
+                  <a:lnTo>
+                    <a:pt x="1283149" y="235076"/>
+                  </a:lnTo>
+                  <a:lnTo>
+                    <a:pt x="1368169" y="228207"/>
+                  </a:lnTo>
+                  <a:lnTo>
+                    <a:pt x="1453189" y="221338"/>
+                  </a:lnTo>
+                  <a:lnTo>
+                    <a:pt x="1538209" y="214469"/>
+                  </a:lnTo>
+                  <a:lnTo>
+                    <a:pt x="1623229" y="207600"/>
+                  </a:lnTo>
+                  <a:lnTo>
+                    <a:pt x="1708249" y="200732"/>
+                  </a:lnTo>
+                  <a:lnTo>
+                    <a:pt x="1793269" y="193863"/>
+                  </a:lnTo>
+                  <a:lnTo>
+                    <a:pt x="1878289" y="186994"/>
+                  </a:lnTo>
+                  <a:lnTo>
+                    <a:pt x="1963309" y="180125"/>
+                  </a:lnTo>
+                  <a:lnTo>
+                    <a:pt x="2048329" y="173256"/>
+                  </a:lnTo>
+                  <a:lnTo>
+                    <a:pt x="2133349" y="166387"/>
+                  </a:lnTo>
+                  <a:lnTo>
+                    <a:pt x="2218369" y="159518"/>
+                  </a:lnTo>
+                  <a:lnTo>
+                    <a:pt x="2303389" y="152649"/>
+                  </a:lnTo>
+                  <a:lnTo>
+                    <a:pt x="2388409" y="145780"/>
                   </a:lnTo>
                   <a:close/>
                 </a:path>
@@ -3351,189 +3360,189 @@
           </p:nvSpPr>
           <p:spPr>
             <a:xfrm>
-              <a:off x="3013124" y="4100531"/>
-              <a:ext cx="2473275" cy="163549"/>
+              <a:off x="3016689" y="3939792"/>
+              <a:ext cx="2469710" cy="283389"/>
             </a:xfrm>
             <a:custGeom>
               <a:avLst/>
               <a:pathLst>
-                <a:path w="2473275" h="163549">
+                <a:path w="2469710" h="283389">
                   <a:moveTo>
-                    <a:pt x="2473275" y="122651"/>
+                    <a:pt x="2469710" y="283389"/>
                   </a:moveTo>
                   <a:lnTo>
-                    <a:pt x="2388083" y="118421"/>
-                  </a:lnTo>
-                  <a:lnTo>
-                    <a:pt x="2302891" y="114192"/>
-                  </a:lnTo>
-                  <a:lnTo>
-                    <a:pt x="2217699" y="109963"/>
-                  </a:lnTo>
-                  <a:lnTo>
-                    <a:pt x="2132507" y="105733"/>
-                  </a:lnTo>
-                  <a:lnTo>
-                    <a:pt x="2047315" y="101504"/>
-                  </a:lnTo>
-                  <a:lnTo>
-                    <a:pt x="1962123" y="97274"/>
-                  </a:lnTo>
-                  <a:lnTo>
-                    <a:pt x="1876931" y="93045"/>
-                  </a:lnTo>
-                  <a:lnTo>
-                    <a:pt x="1791738" y="88816"/>
-                  </a:lnTo>
-                  <a:lnTo>
-                    <a:pt x="1706546" y="84586"/>
-                  </a:lnTo>
-                  <a:lnTo>
-                    <a:pt x="1621354" y="80357"/>
-                  </a:lnTo>
-                  <a:lnTo>
-                    <a:pt x="1536162" y="76128"/>
-                  </a:lnTo>
-                  <a:lnTo>
-                    <a:pt x="1450970" y="71898"/>
-                  </a:lnTo>
-                  <a:lnTo>
-                    <a:pt x="1365778" y="67669"/>
-                  </a:lnTo>
-                  <a:lnTo>
-                    <a:pt x="1280586" y="63440"/>
-                  </a:lnTo>
-                  <a:lnTo>
-                    <a:pt x="1195394" y="59210"/>
-                  </a:lnTo>
-                  <a:lnTo>
-                    <a:pt x="1110201" y="54981"/>
-                  </a:lnTo>
-                  <a:lnTo>
-                    <a:pt x="1025009" y="50752"/>
-                  </a:lnTo>
-                  <a:lnTo>
-                    <a:pt x="939817" y="46522"/>
-                  </a:lnTo>
-                  <a:lnTo>
-                    <a:pt x="854625" y="42293"/>
-                  </a:lnTo>
-                  <a:lnTo>
-                    <a:pt x="769433" y="38064"/>
-                  </a:lnTo>
-                  <a:lnTo>
-                    <a:pt x="684241" y="33834"/>
-                  </a:lnTo>
-                  <a:lnTo>
-                    <a:pt x="599049" y="29605"/>
-                  </a:lnTo>
-                  <a:lnTo>
-                    <a:pt x="513857" y="25376"/>
-                  </a:lnTo>
-                  <a:lnTo>
-                    <a:pt x="428665" y="21146"/>
-                  </a:lnTo>
-                  <a:lnTo>
-                    <a:pt x="343472" y="16917"/>
-                  </a:lnTo>
-                  <a:lnTo>
-                    <a:pt x="258280" y="12688"/>
-                  </a:lnTo>
-                  <a:lnTo>
-                    <a:pt x="173088" y="8458"/>
-                  </a:lnTo>
-                  <a:lnTo>
-                    <a:pt x="87896" y="4229"/>
-                  </a:lnTo>
-                  <a:lnTo>
-                    <a:pt x="2704" y="0"/>
-                  </a:lnTo>
-                  <a:lnTo>
-                    <a:pt x="0" y="163549"/>
-                  </a:lnTo>
-                  <a:lnTo>
-                    <a:pt x="85285" y="162139"/>
-                  </a:lnTo>
-                  <a:lnTo>
-                    <a:pt x="170570" y="160729"/>
-                  </a:lnTo>
-                  <a:lnTo>
-                    <a:pt x="255856" y="159318"/>
-                  </a:lnTo>
-                  <a:lnTo>
-                    <a:pt x="341141" y="157908"/>
-                  </a:lnTo>
-                  <a:lnTo>
-                    <a:pt x="426426" y="156498"/>
-                  </a:lnTo>
-                  <a:lnTo>
-                    <a:pt x="511712" y="155087"/>
-                  </a:lnTo>
-                  <a:lnTo>
-                    <a:pt x="596997" y="153677"/>
-                  </a:lnTo>
-                  <a:lnTo>
-                    <a:pt x="682282" y="152267"/>
-                  </a:lnTo>
-                  <a:lnTo>
-                    <a:pt x="767568" y="150856"/>
-                  </a:lnTo>
-                  <a:lnTo>
-                    <a:pt x="852853" y="149446"/>
-                  </a:lnTo>
-                  <a:lnTo>
-                    <a:pt x="938139" y="148036"/>
-                  </a:lnTo>
-                  <a:lnTo>
-                    <a:pt x="1023424" y="146626"/>
-                  </a:lnTo>
-                  <a:lnTo>
-                    <a:pt x="1108709" y="145215"/>
-                  </a:lnTo>
-                  <a:lnTo>
-                    <a:pt x="1193995" y="143805"/>
-                  </a:lnTo>
-                  <a:lnTo>
-                    <a:pt x="1279280" y="142395"/>
-                  </a:lnTo>
-                  <a:lnTo>
-                    <a:pt x="1364565" y="140984"/>
-                  </a:lnTo>
-                  <a:lnTo>
-                    <a:pt x="1449851" y="139574"/>
-                  </a:lnTo>
-                  <a:lnTo>
-                    <a:pt x="1535136" y="138164"/>
-                  </a:lnTo>
-                  <a:lnTo>
-                    <a:pt x="1620422" y="136754"/>
-                  </a:lnTo>
-                  <a:lnTo>
-                    <a:pt x="1705707" y="135343"/>
-                  </a:lnTo>
-                  <a:lnTo>
-                    <a:pt x="1790992" y="133933"/>
-                  </a:lnTo>
-                  <a:lnTo>
-                    <a:pt x="1876278" y="132523"/>
-                  </a:lnTo>
-                  <a:lnTo>
-                    <a:pt x="1961563" y="131112"/>
-                  </a:lnTo>
-                  <a:lnTo>
-                    <a:pt x="2046848" y="129702"/>
-                  </a:lnTo>
-                  <a:lnTo>
-                    <a:pt x="2132134" y="128292"/>
-                  </a:lnTo>
-                  <a:lnTo>
-                    <a:pt x="2217419" y="126881"/>
-                  </a:lnTo>
-                  <a:lnTo>
-                    <a:pt x="2302705" y="125471"/>
-                  </a:lnTo>
-                  <a:lnTo>
-                    <a:pt x="2387990" y="124061"/>
+                    <a:pt x="2384974" y="273617"/>
+                  </a:lnTo>
+                  <a:lnTo>
+                    <a:pt x="2300239" y="263845"/>
+                  </a:lnTo>
+                  <a:lnTo>
+                    <a:pt x="2215504" y="254073"/>
+                  </a:lnTo>
+                  <a:lnTo>
+                    <a:pt x="2130768" y="244301"/>
+                  </a:lnTo>
+                  <a:lnTo>
+                    <a:pt x="2046033" y="234529"/>
+                  </a:lnTo>
+                  <a:lnTo>
+                    <a:pt x="1961297" y="224757"/>
+                  </a:lnTo>
+                  <a:lnTo>
+                    <a:pt x="1876562" y="214985"/>
+                  </a:lnTo>
+                  <a:lnTo>
+                    <a:pt x="1791827" y="205213"/>
+                  </a:lnTo>
+                  <a:lnTo>
+                    <a:pt x="1707091" y="195441"/>
+                  </a:lnTo>
+                  <a:lnTo>
+                    <a:pt x="1622356" y="185669"/>
+                  </a:lnTo>
+                  <a:lnTo>
+                    <a:pt x="1537620" y="175897"/>
+                  </a:lnTo>
+                  <a:lnTo>
+                    <a:pt x="1452885" y="166124"/>
+                  </a:lnTo>
+                  <a:lnTo>
+                    <a:pt x="1368149" y="156352"/>
+                  </a:lnTo>
+                  <a:lnTo>
+                    <a:pt x="1283414" y="146580"/>
+                  </a:lnTo>
+                  <a:lnTo>
+                    <a:pt x="1198679" y="136808"/>
+                  </a:lnTo>
+                  <a:lnTo>
+                    <a:pt x="1113943" y="127036"/>
+                  </a:lnTo>
+                  <a:lnTo>
+                    <a:pt x="1029208" y="117264"/>
+                  </a:lnTo>
+                  <a:lnTo>
+                    <a:pt x="944472" y="107492"/>
+                  </a:lnTo>
+                  <a:lnTo>
+                    <a:pt x="859737" y="97720"/>
+                  </a:lnTo>
+                  <a:lnTo>
+                    <a:pt x="775002" y="87948"/>
+                  </a:lnTo>
+                  <a:lnTo>
+                    <a:pt x="690266" y="78176"/>
+                  </a:lnTo>
+                  <a:lnTo>
+                    <a:pt x="605531" y="68404"/>
+                  </a:lnTo>
+                  <a:lnTo>
+                    <a:pt x="520795" y="58632"/>
+                  </a:lnTo>
+                  <a:lnTo>
+                    <a:pt x="436060" y="48860"/>
+                  </a:lnTo>
+                  <a:lnTo>
+                    <a:pt x="351324" y="39088"/>
+                  </a:lnTo>
+                  <a:lnTo>
+                    <a:pt x="266589" y="29316"/>
+                  </a:lnTo>
+                  <a:lnTo>
+                    <a:pt x="181854" y="19544"/>
+                  </a:lnTo>
+                  <a:lnTo>
+                    <a:pt x="97118" y="9772"/>
+                  </a:lnTo>
+                  <a:lnTo>
+                    <a:pt x="12383" y="0"/>
+                  </a:lnTo>
+                  <a:lnTo>
+                    <a:pt x="0" y="144477"/>
+                  </a:lnTo>
+                  <a:lnTo>
+                    <a:pt x="85162" y="149267"/>
+                  </a:lnTo>
+                  <a:lnTo>
+                    <a:pt x="170324" y="154057"/>
+                  </a:lnTo>
+                  <a:lnTo>
+                    <a:pt x="255487" y="158847"/>
+                  </a:lnTo>
+                  <a:lnTo>
+                    <a:pt x="340649" y="163637"/>
+                  </a:lnTo>
+                  <a:lnTo>
+                    <a:pt x="425812" y="168427"/>
+                  </a:lnTo>
+                  <a:lnTo>
+                    <a:pt x="510974" y="173218"/>
+                  </a:lnTo>
+                  <a:lnTo>
+                    <a:pt x="596136" y="178008"/>
+                  </a:lnTo>
+                  <a:lnTo>
+                    <a:pt x="681299" y="182798"/>
+                  </a:lnTo>
+                  <a:lnTo>
+                    <a:pt x="766461" y="187588"/>
+                  </a:lnTo>
+                  <a:lnTo>
+                    <a:pt x="851624" y="192378"/>
+                  </a:lnTo>
+                  <a:lnTo>
+                    <a:pt x="936786" y="197168"/>
+                  </a:lnTo>
+                  <a:lnTo>
+                    <a:pt x="1021949" y="201958"/>
+                  </a:lnTo>
+                  <a:lnTo>
+                    <a:pt x="1107111" y="206748"/>
+                  </a:lnTo>
+                  <a:lnTo>
+                    <a:pt x="1192273" y="211538"/>
+                  </a:lnTo>
+                  <a:lnTo>
+                    <a:pt x="1277436" y="216328"/>
+                  </a:lnTo>
+                  <a:lnTo>
+                    <a:pt x="1362598" y="221118"/>
+                  </a:lnTo>
+                  <a:lnTo>
+                    <a:pt x="1447761" y="225908"/>
+                  </a:lnTo>
+                  <a:lnTo>
+                    <a:pt x="1532923" y="230698"/>
+                  </a:lnTo>
+                  <a:lnTo>
+                    <a:pt x="1618086" y="235488"/>
+                  </a:lnTo>
+                  <a:lnTo>
+                    <a:pt x="1703248" y="240279"/>
+                  </a:lnTo>
+                  <a:lnTo>
+                    <a:pt x="1788410" y="245069"/>
+                  </a:lnTo>
+                  <a:lnTo>
+                    <a:pt x="1873573" y="249859"/>
+                  </a:lnTo>
+                  <a:lnTo>
+                    <a:pt x="1958735" y="254649"/>
+                  </a:lnTo>
+                  <a:lnTo>
+                    <a:pt x="2043898" y="259439"/>
+                  </a:lnTo>
+                  <a:lnTo>
+                    <a:pt x="2129060" y="264229"/>
+                  </a:lnTo>
+                  <a:lnTo>
+                    <a:pt x="2214223" y="269019"/>
+                  </a:lnTo>
+                  <a:lnTo>
+                    <a:pt x="2299385" y="273809"/>
+                  </a:lnTo>
+                  <a:lnTo>
+                    <a:pt x="2384547" y="278599"/>
                   </a:lnTo>
                   <a:close/>
                 </a:path>
@@ -3568,204 +3577,198 @@
           </p:nvSpPr>
           <p:spPr>
             <a:xfrm>
-              <a:off x="3015828" y="3593317"/>
-              <a:ext cx="2470571" cy="629865"/>
+              <a:off x="3029072" y="3583937"/>
+              <a:ext cx="2457327" cy="639245"/>
             </a:xfrm>
             <a:custGeom>
               <a:avLst/>
               <a:pathLst>
-                <a:path w="2470571" h="629865">
+                <a:path w="2457327" h="639245">
                   <a:moveTo>
-                    <a:pt x="2470571" y="629865"/>
+                    <a:pt x="2457327" y="639245"/>
                   </a:moveTo>
                   <a:lnTo>
-                    <a:pt x="2388085" y="608145"/>
-                  </a:lnTo>
-                  <a:lnTo>
-                    <a:pt x="2305600" y="586426"/>
-                  </a:lnTo>
-                  <a:lnTo>
-                    <a:pt x="2223115" y="564706"/>
-                  </a:lnTo>
-                  <a:lnTo>
-                    <a:pt x="2140629" y="542987"/>
-                  </a:lnTo>
-                  <a:lnTo>
-                    <a:pt x="2058144" y="521267"/>
-                  </a:lnTo>
-                  <a:lnTo>
-                    <a:pt x="1975658" y="499548"/>
-                  </a:lnTo>
-                  <a:lnTo>
-                    <a:pt x="1893173" y="477828"/>
-                  </a:lnTo>
-                  <a:lnTo>
-                    <a:pt x="1810687" y="456109"/>
-                  </a:lnTo>
-                  <a:lnTo>
-                    <a:pt x="1728202" y="434389"/>
-                  </a:lnTo>
-                  <a:lnTo>
-                    <a:pt x="1645716" y="412670"/>
-                  </a:lnTo>
-                  <a:lnTo>
-                    <a:pt x="1563231" y="390950"/>
-                  </a:lnTo>
-                  <a:lnTo>
-                    <a:pt x="1480746" y="369231"/>
-                  </a:lnTo>
-                  <a:lnTo>
-                    <a:pt x="1398260" y="347511"/>
-                  </a:lnTo>
-                  <a:lnTo>
-                    <a:pt x="1315775" y="325792"/>
-                  </a:lnTo>
-                  <a:lnTo>
-                    <a:pt x="1233289" y="304072"/>
-                  </a:lnTo>
-                  <a:lnTo>
-                    <a:pt x="1150804" y="282353"/>
-                  </a:lnTo>
-                  <a:lnTo>
-                    <a:pt x="1068318" y="260633"/>
-                  </a:lnTo>
-                  <a:lnTo>
-                    <a:pt x="985833" y="238914"/>
-                  </a:lnTo>
-                  <a:lnTo>
-                    <a:pt x="903348" y="217194"/>
-                  </a:lnTo>
-                  <a:lnTo>
-                    <a:pt x="820862" y="195475"/>
-                  </a:lnTo>
-                  <a:lnTo>
-                    <a:pt x="738377" y="173755"/>
-                  </a:lnTo>
-                  <a:lnTo>
-                    <a:pt x="655891" y="152036"/>
-                  </a:lnTo>
-                  <a:lnTo>
-                    <a:pt x="573406" y="130316"/>
-                  </a:lnTo>
-                  <a:lnTo>
-                    <a:pt x="490920" y="108597"/>
-                  </a:lnTo>
-                  <a:lnTo>
-                    <a:pt x="408435" y="86877"/>
-                  </a:lnTo>
-                  <a:lnTo>
-                    <a:pt x="325949" y="65158"/>
-                  </a:lnTo>
-                  <a:lnTo>
-                    <a:pt x="243464" y="43438"/>
-                  </a:lnTo>
-                  <a:lnTo>
-                    <a:pt x="160979" y="21719"/>
-                  </a:lnTo>
-                  <a:lnTo>
-                    <a:pt x="78493" y="0"/>
-                  </a:lnTo>
-                  <a:lnTo>
-                    <a:pt x="58112" y="83232"/>
-                  </a:lnTo>
-                  <a:lnTo>
-                    <a:pt x="40626" y="167121"/>
-                  </a:lnTo>
-                  <a:lnTo>
-                    <a:pt x="26055" y="251565"/>
-                  </a:lnTo>
-                  <a:lnTo>
-                    <a:pt x="14419" y="336463"/>
-                  </a:lnTo>
-                  <a:lnTo>
-                    <a:pt x="5730" y="421714"/>
-                  </a:lnTo>
-                  <a:lnTo>
-                    <a:pt x="0" y="507214"/>
-                  </a:lnTo>
-                  <a:lnTo>
-                    <a:pt x="85192" y="511443"/>
-                  </a:lnTo>
-                  <a:lnTo>
-                    <a:pt x="170384" y="515673"/>
-                  </a:lnTo>
-                  <a:lnTo>
-                    <a:pt x="255576" y="519902"/>
-                  </a:lnTo>
-                  <a:lnTo>
-                    <a:pt x="340768" y="524131"/>
-                  </a:lnTo>
-                  <a:lnTo>
-                    <a:pt x="425960" y="528361"/>
-                  </a:lnTo>
-                  <a:lnTo>
-                    <a:pt x="511152" y="532590"/>
-                  </a:lnTo>
-                  <a:lnTo>
-                    <a:pt x="596344" y="536819"/>
-                  </a:lnTo>
-                  <a:lnTo>
-                    <a:pt x="681536" y="541049"/>
-                  </a:lnTo>
-                  <a:lnTo>
-                    <a:pt x="766729" y="545278"/>
-                  </a:lnTo>
-                  <a:lnTo>
-                    <a:pt x="851921" y="549507"/>
-                  </a:lnTo>
-                  <a:lnTo>
-                    <a:pt x="937113" y="553737"/>
-                  </a:lnTo>
-                  <a:lnTo>
-                    <a:pt x="1022305" y="557966"/>
-                  </a:lnTo>
-                  <a:lnTo>
-                    <a:pt x="1107497" y="562195"/>
-                  </a:lnTo>
-                  <a:lnTo>
-                    <a:pt x="1192689" y="566425"/>
-                  </a:lnTo>
-                  <a:lnTo>
-                    <a:pt x="1277881" y="570654"/>
-                  </a:lnTo>
-                  <a:lnTo>
-                    <a:pt x="1363073" y="574883"/>
-                  </a:lnTo>
-                  <a:lnTo>
-                    <a:pt x="1448265" y="579113"/>
-                  </a:lnTo>
-                  <a:lnTo>
-                    <a:pt x="1533458" y="583342"/>
-                  </a:lnTo>
-                  <a:lnTo>
-                    <a:pt x="1618650" y="587571"/>
-                  </a:lnTo>
-                  <a:lnTo>
-                    <a:pt x="1703842" y="591801"/>
-                  </a:lnTo>
-                  <a:lnTo>
-                    <a:pt x="1789034" y="596030"/>
-                  </a:lnTo>
-                  <a:lnTo>
-                    <a:pt x="1874226" y="600259"/>
-                  </a:lnTo>
-                  <a:lnTo>
-                    <a:pt x="1959418" y="604489"/>
-                  </a:lnTo>
-                  <a:lnTo>
-                    <a:pt x="2044610" y="608718"/>
-                  </a:lnTo>
-                  <a:lnTo>
-                    <a:pt x="2129802" y="612948"/>
-                  </a:lnTo>
-                  <a:lnTo>
-                    <a:pt x="2214994" y="617177"/>
-                  </a:lnTo>
-                  <a:lnTo>
-                    <a:pt x="2300187" y="621406"/>
-                  </a:lnTo>
-                  <a:lnTo>
-                    <a:pt x="2385379" y="625636"/>
+                    <a:pt x="2374927" y="617202"/>
+                  </a:lnTo>
+                  <a:lnTo>
+                    <a:pt x="2292527" y="595159"/>
+                  </a:lnTo>
+                  <a:lnTo>
+                    <a:pt x="2210128" y="573116"/>
+                  </a:lnTo>
+                  <a:lnTo>
+                    <a:pt x="2127728" y="551073"/>
+                  </a:lnTo>
+                  <a:lnTo>
+                    <a:pt x="2045329" y="529030"/>
+                  </a:lnTo>
+                  <a:lnTo>
+                    <a:pt x="1962929" y="506987"/>
+                  </a:lnTo>
+                  <a:lnTo>
+                    <a:pt x="1880529" y="484944"/>
+                  </a:lnTo>
+                  <a:lnTo>
+                    <a:pt x="1798130" y="462901"/>
+                  </a:lnTo>
+                  <a:lnTo>
+                    <a:pt x="1715730" y="440858"/>
+                  </a:lnTo>
+                  <a:lnTo>
+                    <a:pt x="1633331" y="418816"/>
+                  </a:lnTo>
+                  <a:lnTo>
+                    <a:pt x="1550931" y="396773"/>
+                  </a:lnTo>
+                  <a:lnTo>
+                    <a:pt x="1468531" y="374730"/>
+                  </a:lnTo>
+                  <a:lnTo>
+                    <a:pt x="1386132" y="352687"/>
+                  </a:lnTo>
+                  <a:lnTo>
+                    <a:pt x="1303732" y="330644"/>
+                  </a:lnTo>
+                  <a:lnTo>
+                    <a:pt x="1221333" y="308601"/>
+                  </a:lnTo>
+                  <a:lnTo>
+                    <a:pt x="1138933" y="286558"/>
+                  </a:lnTo>
+                  <a:lnTo>
+                    <a:pt x="1056534" y="264515"/>
+                  </a:lnTo>
+                  <a:lnTo>
+                    <a:pt x="974134" y="242472"/>
+                  </a:lnTo>
+                  <a:lnTo>
+                    <a:pt x="891734" y="220429"/>
+                  </a:lnTo>
+                  <a:lnTo>
+                    <a:pt x="809335" y="198386"/>
+                  </a:lnTo>
+                  <a:lnTo>
+                    <a:pt x="726935" y="176343"/>
+                  </a:lnTo>
+                  <a:lnTo>
+                    <a:pt x="644536" y="154300"/>
+                  </a:lnTo>
+                  <a:lnTo>
+                    <a:pt x="562136" y="132257"/>
+                  </a:lnTo>
+                  <a:lnTo>
+                    <a:pt x="479736" y="110214"/>
+                  </a:lnTo>
+                  <a:lnTo>
+                    <a:pt x="397337" y="88171"/>
+                  </a:lnTo>
+                  <a:lnTo>
+                    <a:pt x="314937" y="66128"/>
+                  </a:lnTo>
+                  <a:lnTo>
+                    <a:pt x="232538" y="44085"/>
+                  </a:lnTo>
+                  <a:lnTo>
+                    <a:pt x="150138" y="22042"/>
+                  </a:lnTo>
+                  <a:lnTo>
+                    <a:pt x="67738" y="0"/>
+                  </a:lnTo>
+                  <a:lnTo>
+                    <a:pt x="45924" y="87973"/>
+                  </a:lnTo>
+                  <a:lnTo>
+                    <a:pt x="27346" y="176686"/>
+                  </a:lnTo>
+                  <a:lnTo>
+                    <a:pt x="12031" y="266020"/>
+                  </a:lnTo>
+                  <a:lnTo>
+                    <a:pt x="0" y="355855"/>
+                  </a:lnTo>
+                  <a:lnTo>
+                    <a:pt x="84735" y="365627"/>
+                  </a:lnTo>
+                  <a:lnTo>
+                    <a:pt x="169470" y="375399"/>
+                  </a:lnTo>
+                  <a:lnTo>
+                    <a:pt x="254206" y="385172"/>
+                  </a:lnTo>
+                  <a:lnTo>
+                    <a:pt x="338941" y="394944"/>
+                  </a:lnTo>
+                  <a:lnTo>
+                    <a:pt x="423677" y="404716"/>
+                  </a:lnTo>
+                  <a:lnTo>
+                    <a:pt x="508412" y="414488"/>
+                  </a:lnTo>
+                  <a:lnTo>
+                    <a:pt x="593147" y="424260"/>
+                  </a:lnTo>
+                  <a:lnTo>
+                    <a:pt x="677883" y="434032"/>
+                  </a:lnTo>
+                  <a:lnTo>
+                    <a:pt x="762618" y="443804"/>
+                  </a:lnTo>
+                  <a:lnTo>
+                    <a:pt x="847354" y="453576"/>
+                  </a:lnTo>
+                  <a:lnTo>
+                    <a:pt x="932089" y="463348"/>
+                  </a:lnTo>
+                  <a:lnTo>
+                    <a:pt x="1016824" y="473120"/>
+                  </a:lnTo>
+                  <a:lnTo>
+                    <a:pt x="1101560" y="482892"/>
+                  </a:lnTo>
+                  <a:lnTo>
+                    <a:pt x="1186295" y="492664"/>
+                  </a:lnTo>
+                  <a:lnTo>
+                    <a:pt x="1271031" y="502436"/>
+                  </a:lnTo>
+                  <a:lnTo>
+                    <a:pt x="1355766" y="512208"/>
+                  </a:lnTo>
+                  <a:lnTo>
+                    <a:pt x="1440502" y="521980"/>
+                  </a:lnTo>
+                  <a:lnTo>
+                    <a:pt x="1525237" y="531752"/>
+                  </a:lnTo>
+                  <a:lnTo>
+                    <a:pt x="1609972" y="541524"/>
+                  </a:lnTo>
+                  <a:lnTo>
+                    <a:pt x="1694708" y="551296"/>
+                  </a:lnTo>
+                  <a:lnTo>
+                    <a:pt x="1779443" y="561069"/>
+                  </a:lnTo>
+                  <a:lnTo>
+                    <a:pt x="1864179" y="570841"/>
+                  </a:lnTo>
+                  <a:lnTo>
+                    <a:pt x="1948914" y="580613"/>
+                  </a:lnTo>
+                  <a:lnTo>
+                    <a:pt x="2033649" y="590385"/>
+                  </a:lnTo>
+                  <a:lnTo>
+                    <a:pt x="2118385" y="600157"/>
+                  </a:lnTo>
+                  <a:lnTo>
+                    <a:pt x="2203120" y="609929"/>
+                  </a:lnTo>
+                  <a:lnTo>
+                    <a:pt x="2287856" y="619701"/>
+                  </a:lnTo>
+                  <a:lnTo>
+                    <a:pt x="2372591" y="629473"/>
                   </a:lnTo>
                   <a:close/>
                 </a:path>
@@ -3800,225 +3803,222 @@
           </p:nvSpPr>
           <p:spPr>
             <a:xfrm>
-              <a:off x="3094322" y="2626718"/>
-              <a:ext cx="2392077" cy="1596464"/>
+              <a:off x="3096811" y="2683610"/>
+              <a:ext cx="2389588" cy="1539571"/>
             </a:xfrm>
             <a:custGeom>
               <a:avLst/>
               <a:pathLst>
-                <a:path w="2392077" h="1596464">
+                <a:path w="2389588" h="1539571">
                   <a:moveTo>
-                    <a:pt x="2392077" y="1596464"/>
+                    <a:pt x="2389588" y="1539571"/>
                   </a:moveTo>
                   <a:lnTo>
-                    <a:pt x="2326923" y="1541413"/>
-                  </a:lnTo>
-                  <a:lnTo>
-                    <a:pt x="2261769" y="1486363"/>
-                  </a:lnTo>
-                  <a:lnTo>
-                    <a:pt x="2196616" y="1431312"/>
-                  </a:lnTo>
-                  <a:lnTo>
-                    <a:pt x="2131462" y="1376262"/>
-                  </a:lnTo>
-                  <a:lnTo>
-                    <a:pt x="2066308" y="1321211"/>
-                  </a:lnTo>
-                  <a:lnTo>
-                    <a:pt x="2001154" y="1266161"/>
-                  </a:lnTo>
-                  <a:lnTo>
-                    <a:pt x="1936000" y="1211110"/>
-                  </a:lnTo>
-                  <a:lnTo>
-                    <a:pt x="1870846" y="1156060"/>
-                  </a:lnTo>
-                  <a:lnTo>
-                    <a:pt x="1805692" y="1101009"/>
-                  </a:lnTo>
-                  <a:lnTo>
-                    <a:pt x="1740538" y="1045959"/>
-                  </a:lnTo>
-                  <a:lnTo>
-                    <a:pt x="1675385" y="990908"/>
-                  </a:lnTo>
-                  <a:lnTo>
-                    <a:pt x="1610231" y="935858"/>
-                  </a:lnTo>
-                  <a:lnTo>
-                    <a:pt x="1545077" y="880807"/>
-                  </a:lnTo>
-                  <a:lnTo>
-                    <a:pt x="1479923" y="825757"/>
-                  </a:lnTo>
-                  <a:lnTo>
-                    <a:pt x="1414769" y="770706"/>
-                  </a:lnTo>
-                  <a:lnTo>
-                    <a:pt x="1349615" y="715656"/>
-                  </a:lnTo>
-                  <a:lnTo>
-                    <a:pt x="1284461" y="660605"/>
-                  </a:lnTo>
-                  <a:lnTo>
-                    <a:pt x="1219308" y="605555"/>
-                  </a:lnTo>
-                  <a:lnTo>
-                    <a:pt x="1154154" y="550504"/>
-                  </a:lnTo>
-                  <a:lnTo>
-                    <a:pt x="1089000" y="495454"/>
-                  </a:lnTo>
-                  <a:lnTo>
-                    <a:pt x="1023846" y="440403"/>
-                  </a:lnTo>
-                  <a:lnTo>
-                    <a:pt x="958692" y="385353"/>
-                  </a:lnTo>
-                  <a:lnTo>
-                    <a:pt x="893538" y="330302"/>
-                  </a:lnTo>
-                  <a:lnTo>
-                    <a:pt x="828384" y="275252"/>
-                  </a:lnTo>
-                  <a:lnTo>
-                    <a:pt x="763230" y="220201"/>
-                  </a:lnTo>
-                  <a:lnTo>
-                    <a:pt x="698077" y="165151"/>
-                  </a:lnTo>
-                  <a:lnTo>
-                    <a:pt x="632923" y="110100"/>
-                  </a:lnTo>
-                  <a:lnTo>
-                    <a:pt x="567769" y="55050"/>
-                  </a:lnTo>
-                  <a:lnTo>
-                    <a:pt x="502615" y="0"/>
-                  </a:lnTo>
-                  <a:lnTo>
-                    <a:pt x="449193" y="65462"/>
-                  </a:lnTo>
-                  <a:lnTo>
-                    <a:pt x="398038" y="132710"/>
-                  </a:lnTo>
-                  <a:lnTo>
-                    <a:pt x="349210" y="201666"/>
-                  </a:lnTo>
-                  <a:lnTo>
-                    <a:pt x="302766" y="272250"/>
-                  </a:lnTo>
-                  <a:lnTo>
-                    <a:pt x="258759" y="344379"/>
-                  </a:lnTo>
-                  <a:lnTo>
-                    <a:pt x="217241" y="417968"/>
-                  </a:lnTo>
-                  <a:lnTo>
-                    <a:pt x="178260" y="492933"/>
-                  </a:lnTo>
-                  <a:lnTo>
-                    <a:pt x="141863" y="569185"/>
-                  </a:lnTo>
-                  <a:lnTo>
-                    <a:pt x="108091" y="646636"/>
-                  </a:lnTo>
-                  <a:lnTo>
-                    <a:pt x="76984" y="725195"/>
-                  </a:lnTo>
-                  <a:lnTo>
-                    <a:pt x="48578" y="804770"/>
-                  </a:lnTo>
-                  <a:lnTo>
-                    <a:pt x="22907" y="885269"/>
-                  </a:lnTo>
-                  <a:lnTo>
-                    <a:pt x="0" y="966598"/>
-                  </a:lnTo>
-                  <a:lnTo>
-                    <a:pt x="82485" y="988318"/>
-                  </a:lnTo>
-                  <a:lnTo>
-                    <a:pt x="164970" y="1010037"/>
-                  </a:lnTo>
-                  <a:lnTo>
-                    <a:pt x="247456" y="1031757"/>
-                  </a:lnTo>
-                  <a:lnTo>
-                    <a:pt x="329941" y="1053476"/>
-                  </a:lnTo>
-                  <a:lnTo>
-                    <a:pt x="412427" y="1075196"/>
-                  </a:lnTo>
-                  <a:lnTo>
-                    <a:pt x="494912" y="1096915"/>
-                  </a:lnTo>
-                  <a:lnTo>
-                    <a:pt x="577398" y="1118635"/>
-                  </a:lnTo>
-                  <a:lnTo>
-                    <a:pt x="659883" y="1140354"/>
-                  </a:lnTo>
-                  <a:lnTo>
-                    <a:pt x="742368" y="1162074"/>
-                  </a:lnTo>
-                  <a:lnTo>
-                    <a:pt x="824854" y="1183793"/>
-                  </a:lnTo>
-                  <a:lnTo>
-                    <a:pt x="907339" y="1205513"/>
-                  </a:lnTo>
-                  <a:lnTo>
-                    <a:pt x="989825" y="1227232"/>
-                  </a:lnTo>
-                  <a:lnTo>
-                    <a:pt x="1072310" y="1248952"/>
-                  </a:lnTo>
-                  <a:lnTo>
-                    <a:pt x="1154796" y="1270671"/>
-                  </a:lnTo>
-                  <a:lnTo>
-                    <a:pt x="1237281" y="1292391"/>
-                  </a:lnTo>
-                  <a:lnTo>
-                    <a:pt x="1319766" y="1314110"/>
-                  </a:lnTo>
-                  <a:lnTo>
-                    <a:pt x="1402252" y="1335830"/>
-                  </a:lnTo>
-                  <a:lnTo>
-                    <a:pt x="1484737" y="1357549"/>
-                  </a:lnTo>
-                  <a:lnTo>
-                    <a:pt x="1567223" y="1379269"/>
-                  </a:lnTo>
-                  <a:lnTo>
-                    <a:pt x="1649708" y="1400988"/>
-                  </a:lnTo>
-                  <a:lnTo>
-                    <a:pt x="1732194" y="1422708"/>
-                  </a:lnTo>
-                  <a:lnTo>
-                    <a:pt x="1814679" y="1444427"/>
-                  </a:lnTo>
-                  <a:lnTo>
-                    <a:pt x="1897165" y="1466147"/>
-                  </a:lnTo>
-                  <a:lnTo>
-                    <a:pt x="1979650" y="1487866"/>
-                  </a:lnTo>
-                  <a:lnTo>
-                    <a:pt x="2062135" y="1509586"/>
-                  </a:lnTo>
-                  <a:lnTo>
-                    <a:pt x="2144621" y="1531305"/>
-                  </a:lnTo>
-                  <a:lnTo>
-                    <a:pt x="2227106" y="1553025"/>
-                  </a:lnTo>
-                  <a:lnTo>
-                    <a:pt x="2309592" y="1574744"/>
+                    <a:pt x="2322825" y="1486483"/>
+                  </a:lnTo>
+                  <a:lnTo>
+                    <a:pt x="2256063" y="1433394"/>
+                  </a:lnTo>
+                  <a:lnTo>
+                    <a:pt x="2189301" y="1380305"/>
+                  </a:lnTo>
+                  <a:lnTo>
+                    <a:pt x="2122539" y="1327217"/>
+                  </a:lnTo>
+                  <a:lnTo>
+                    <a:pt x="2055777" y="1274128"/>
+                  </a:lnTo>
+                  <a:lnTo>
+                    <a:pt x="1989015" y="1221039"/>
+                  </a:lnTo>
+                  <a:lnTo>
+                    <a:pt x="1922253" y="1167951"/>
+                  </a:lnTo>
+                  <a:lnTo>
+                    <a:pt x="1855491" y="1114862"/>
+                  </a:lnTo>
+                  <a:lnTo>
+                    <a:pt x="1788729" y="1061773"/>
+                  </a:lnTo>
+                  <a:lnTo>
+                    <a:pt x="1721967" y="1008685"/>
+                  </a:lnTo>
+                  <a:lnTo>
+                    <a:pt x="1655205" y="955596"/>
+                  </a:lnTo>
+                  <a:lnTo>
+                    <a:pt x="1588443" y="902507"/>
+                  </a:lnTo>
+                  <a:lnTo>
+                    <a:pt x="1521681" y="849418"/>
+                  </a:lnTo>
+                  <a:lnTo>
+                    <a:pt x="1454918" y="796330"/>
+                  </a:lnTo>
+                  <a:lnTo>
+                    <a:pt x="1388156" y="743241"/>
+                  </a:lnTo>
+                  <a:lnTo>
+                    <a:pt x="1321394" y="690152"/>
+                  </a:lnTo>
+                  <a:lnTo>
+                    <a:pt x="1254632" y="637064"/>
+                  </a:lnTo>
+                  <a:lnTo>
+                    <a:pt x="1187870" y="583975"/>
+                  </a:lnTo>
+                  <a:lnTo>
+                    <a:pt x="1121108" y="530886"/>
+                  </a:lnTo>
+                  <a:lnTo>
+                    <a:pt x="1054346" y="477798"/>
+                  </a:lnTo>
+                  <a:lnTo>
+                    <a:pt x="987584" y="424709"/>
+                  </a:lnTo>
+                  <a:lnTo>
+                    <a:pt x="920822" y="371620"/>
+                  </a:lnTo>
+                  <a:lnTo>
+                    <a:pt x="854060" y="318532"/>
+                  </a:lnTo>
+                  <a:lnTo>
+                    <a:pt x="787298" y="265443"/>
+                  </a:lnTo>
+                  <a:lnTo>
+                    <a:pt x="720536" y="212354"/>
+                  </a:lnTo>
+                  <a:lnTo>
+                    <a:pt x="653773" y="159266"/>
+                  </a:lnTo>
+                  <a:lnTo>
+                    <a:pt x="587011" y="106177"/>
+                  </a:lnTo>
+                  <a:lnTo>
+                    <a:pt x="520249" y="53088"/>
+                  </a:lnTo>
+                  <a:lnTo>
+                    <a:pt x="453487" y="0"/>
+                  </a:lnTo>
+                  <a:lnTo>
+                    <a:pt x="401975" y="67103"/>
+                  </a:lnTo>
+                  <a:lnTo>
+                    <a:pt x="352788" y="135929"/>
+                  </a:lnTo>
+                  <a:lnTo>
+                    <a:pt x="305982" y="206397"/>
+                  </a:lnTo>
+                  <a:lnTo>
+                    <a:pt x="261614" y="278423"/>
+                  </a:lnTo>
+                  <a:lnTo>
+                    <a:pt x="219734" y="351925"/>
+                  </a:lnTo>
+                  <a:lnTo>
+                    <a:pt x="180393" y="426816"/>
+                  </a:lnTo>
+                  <a:lnTo>
+                    <a:pt x="143635" y="503009"/>
+                  </a:lnTo>
+                  <a:lnTo>
+                    <a:pt x="109504" y="580413"/>
+                  </a:lnTo>
+                  <a:lnTo>
+                    <a:pt x="78040" y="658940"/>
+                  </a:lnTo>
+                  <a:lnTo>
+                    <a:pt x="49279" y="738496"/>
+                  </a:lnTo>
+                  <a:lnTo>
+                    <a:pt x="23255" y="818990"/>
+                  </a:lnTo>
+                  <a:lnTo>
+                    <a:pt x="0" y="900326"/>
+                  </a:lnTo>
+                  <a:lnTo>
+                    <a:pt x="82399" y="922369"/>
+                  </a:lnTo>
+                  <a:lnTo>
+                    <a:pt x="164799" y="944412"/>
+                  </a:lnTo>
+                  <a:lnTo>
+                    <a:pt x="247198" y="966455"/>
+                  </a:lnTo>
+                  <a:lnTo>
+                    <a:pt x="329598" y="988498"/>
+                  </a:lnTo>
+                  <a:lnTo>
+                    <a:pt x="411997" y="1010541"/>
+                  </a:lnTo>
+                  <a:lnTo>
+                    <a:pt x="494397" y="1032584"/>
+                  </a:lnTo>
+                  <a:lnTo>
+                    <a:pt x="576797" y="1054626"/>
+                  </a:lnTo>
+                  <a:lnTo>
+                    <a:pt x="659196" y="1076669"/>
+                  </a:lnTo>
+                  <a:lnTo>
+                    <a:pt x="741596" y="1098712"/>
+                  </a:lnTo>
+                  <a:lnTo>
+                    <a:pt x="823995" y="1120755"/>
+                  </a:lnTo>
+                  <a:lnTo>
+                    <a:pt x="906395" y="1142798"/>
+                  </a:lnTo>
+                  <a:lnTo>
+                    <a:pt x="988795" y="1164841"/>
+                  </a:lnTo>
+                  <a:lnTo>
+                    <a:pt x="1071194" y="1186884"/>
+                  </a:lnTo>
+                  <a:lnTo>
+                    <a:pt x="1153594" y="1208927"/>
+                  </a:lnTo>
+                  <a:lnTo>
+                    <a:pt x="1235993" y="1230970"/>
+                  </a:lnTo>
+                  <a:lnTo>
+                    <a:pt x="1318393" y="1253013"/>
+                  </a:lnTo>
+                  <a:lnTo>
+                    <a:pt x="1400792" y="1275056"/>
+                  </a:lnTo>
+                  <a:lnTo>
+                    <a:pt x="1483192" y="1297099"/>
+                  </a:lnTo>
+                  <a:lnTo>
+                    <a:pt x="1565592" y="1319142"/>
+                  </a:lnTo>
+                  <a:lnTo>
+                    <a:pt x="1647991" y="1341185"/>
+                  </a:lnTo>
+                  <a:lnTo>
+                    <a:pt x="1730391" y="1363228"/>
+                  </a:lnTo>
+                  <a:lnTo>
+                    <a:pt x="1812790" y="1385271"/>
+                  </a:lnTo>
+                  <a:lnTo>
+                    <a:pt x="1895190" y="1407314"/>
+                  </a:lnTo>
+                  <a:lnTo>
+                    <a:pt x="1977590" y="1429357"/>
+                  </a:lnTo>
+                  <a:lnTo>
+                    <a:pt x="2059989" y="1451400"/>
+                  </a:lnTo>
+                  <a:lnTo>
+                    <a:pt x="2142389" y="1473443"/>
+                  </a:lnTo>
+                  <a:lnTo>
+                    <a:pt x="2224788" y="1495485"/>
+                  </a:lnTo>
+                  <a:lnTo>
+                    <a:pt x="2307188" y="1517528"/>
                   </a:lnTo>
                   <a:close/>
                 </a:path>
@@ -4053,258 +4053,258 @@
           </p:nvSpPr>
           <p:spPr>
             <a:xfrm>
-              <a:off x="3596937" y="1753542"/>
-              <a:ext cx="1889462" cy="2469640"/>
+              <a:off x="3550299" y="1753818"/>
+              <a:ext cx="1936100" cy="2469363"/>
             </a:xfrm>
             <a:custGeom>
               <a:avLst/>
               <a:pathLst>
-                <a:path w="1889462" h="2469640">
+                <a:path w="1936100" h="2469363">
                   <a:moveTo>
-                    <a:pt x="1889462" y="2469640"/>
+                    <a:pt x="1936100" y="2469363"/>
                   </a:moveTo>
                   <a:lnTo>
-                    <a:pt x="1884629" y="2384480"/>
-                  </a:lnTo>
-                  <a:lnTo>
-                    <a:pt x="1879796" y="2299320"/>
-                  </a:lnTo>
-                  <a:lnTo>
-                    <a:pt x="1874963" y="2214160"/>
-                  </a:lnTo>
-                  <a:lnTo>
-                    <a:pt x="1870130" y="2129000"/>
-                  </a:lnTo>
-                  <a:lnTo>
-                    <a:pt x="1865297" y="2043840"/>
-                  </a:lnTo>
-                  <a:lnTo>
-                    <a:pt x="1860464" y="1958680"/>
-                  </a:lnTo>
-                  <a:lnTo>
-                    <a:pt x="1855631" y="1873520"/>
-                  </a:lnTo>
-                  <a:lnTo>
-                    <a:pt x="1850798" y="1788360"/>
-                  </a:lnTo>
-                  <a:lnTo>
-                    <a:pt x="1845965" y="1703200"/>
-                  </a:lnTo>
-                  <a:lnTo>
-                    <a:pt x="1841132" y="1618040"/>
-                  </a:lnTo>
-                  <a:lnTo>
-                    <a:pt x="1836299" y="1532880"/>
-                  </a:lnTo>
-                  <a:lnTo>
-                    <a:pt x="1831467" y="1447720"/>
-                  </a:lnTo>
-                  <a:lnTo>
-                    <a:pt x="1826634" y="1362560"/>
-                  </a:lnTo>
-                  <a:lnTo>
-                    <a:pt x="1821801" y="1277400"/>
-                  </a:lnTo>
-                  <a:lnTo>
-                    <a:pt x="1816968" y="1192240"/>
-                  </a:lnTo>
-                  <a:lnTo>
-                    <a:pt x="1812135" y="1107080"/>
-                  </a:lnTo>
-                  <a:lnTo>
-                    <a:pt x="1807302" y="1021920"/>
-                  </a:lnTo>
-                  <a:lnTo>
-                    <a:pt x="1802469" y="936760"/>
-                  </a:lnTo>
-                  <a:lnTo>
-                    <a:pt x="1797636" y="851600"/>
-                  </a:lnTo>
-                  <a:lnTo>
-                    <a:pt x="1792803" y="766440"/>
-                  </a:lnTo>
-                  <a:lnTo>
-                    <a:pt x="1787970" y="681280"/>
-                  </a:lnTo>
-                  <a:lnTo>
-                    <a:pt x="1783137" y="596120"/>
-                  </a:lnTo>
-                  <a:lnTo>
-                    <a:pt x="1778304" y="510960"/>
-                  </a:lnTo>
-                  <a:lnTo>
-                    <a:pt x="1773471" y="425800"/>
-                  </a:lnTo>
-                  <a:lnTo>
-                    <a:pt x="1768638" y="340640"/>
-                  </a:lnTo>
-                  <a:lnTo>
-                    <a:pt x="1763805" y="255480"/>
-                  </a:lnTo>
-                  <a:lnTo>
-                    <a:pt x="1758973" y="170320"/>
-                  </a:lnTo>
-                  <a:lnTo>
-                    <a:pt x="1754140" y="85160"/>
-                  </a:lnTo>
-                  <a:lnTo>
-                    <a:pt x="1749307" y="0"/>
-                  </a:lnTo>
-                  <a:lnTo>
-                    <a:pt x="1665789" y="6159"/>
-                  </a:lnTo>
-                  <a:lnTo>
-                    <a:pt x="1582528" y="15142"/>
-                  </a:lnTo>
-                  <a:lnTo>
-                    <a:pt x="1499618" y="26939"/>
-                  </a:lnTo>
-                  <a:lnTo>
-                    <a:pt x="1417155" y="41535"/>
-                  </a:lnTo>
-                  <a:lnTo>
-                    <a:pt x="1335234" y="58914"/>
-                  </a:lnTo>
-                  <a:lnTo>
-                    <a:pt x="1253948" y="79056"/>
-                  </a:lnTo>
-                  <a:lnTo>
-                    <a:pt x="1173390" y="101939"/>
-                  </a:lnTo>
-                  <a:lnTo>
-                    <a:pt x="1093653" y="127535"/>
-                  </a:lnTo>
-                  <a:lnTo>
-                    <a:pt x="1014828" y="155816"/>
-                  </a:lnTo>
-                  <a:lnTo>
-                    <a:pt x="937006" y="186748"/>
-                  </a:lnTo>
-                  <a:lnTo>
-                    <a:pt x="860275" y="220297"/>
-                  </a:lnTo>
-                  <a:lnTo>
-                    <a:pt x="784724" y="256425"/>
-                  </a:lnTo>
-                  <a:lnTo>
-                    <a:pt x="710439" y="295089"/>
-                  </a:lnTo>
-                  <a:lnTo>
-                    <a:pt x="637506" y="336245"/>
-                  </a:lnTo>
-                  <a:lnTo>
-                    <a:pt x="566007" y="379847"/>
-                  </a:lnTo>
-                  <a:lnTo>
-                    <a:pt x="496025" y="425844"/>
-                  </a:lnTo>
-                  <a:lnTo>
-                    <a:pt x="427641" y="474183"/>
-                  </a:lnTo>
-                  <a:lnTo>
-                    <a:pt x="360932" y="524810"/>
-                  </a:lnTo>
-                  <a:lnTo>
-                    <a:pt x="295975" y="577666"/>
-                  </a:lnTo>
-                  <a:lnTo>
-                    <a:pt x="232844" y="632690"/>
-                  </a:lnTo>
-                  <a:lnTo>
-                    <a:pt x="171612" y="689820"/>
-                  </a:lnTo>
-                  <a:lnTo>
-                    <a:pt x="112349" y="748989"/>
-                  </a:lnTo>
-                  <a:lnTo>
-                    <a:pt x="55123" y="810131"/>
-                  </a:lnTo>
-                  <a:lnTo>
-                    <a:pt x="0" y="873175"/>
-                  </a:lnTo>
-                  <a:lnTo>
-                    <a:pt x="65153" y="928226"/>
-                  </a:lnTo>
-                  <a:lnTo>
-                    <a:pt x="130307" y="983276"/>
-                  </a:lnTo>
-                  <a:lnTo>
-                    <a:pt x="195461" y="1038327"/>
-                  </a:lnTo>
-                  <a:lnTo>
-                    <a:pt x="260615" y="1093377"/>
-                  </a:lnTo>
-                  <a:lnTo>
-                    <a:pt x="325769" y="1148428"/>
-                  </a:lnTo>
-                  <a:lnTo>
-                    <a:pt x="390923" y="1203478"/>
-                  </a:lnTo>
-                  <a:lnTo>
-                    <a:pt x="456077" y="1258529"/>
-                  </a:lnTo>
-                  <a:lnTo>
-                    <a:pt x="521230" y="1313579"/>
-                  </a:lnTo>
-                  <a:lnTo>
-                    <a:pt x="586384" y="1368630"/>
-                  </a:lnTo>
-                  <a:lnTo>
-                    <a:pt x="651538" y="1423680"/>
-                  </a:lnTo>
-                  <a:lnTo>
-                    <a:pt x="716692" y="1478731"/>
-                  </a:lnTo>
-                  <a:lnTo>
-                    <a:pt x="781846" y="1533781"/>
-                  </a:lnTo>
-                  <a:lnTo>
-                    <a:pt x="847000" y="1588832"/>
-                  </a:lnTo>
-                  <a:lnTo>
-                    <a:pt x="912154" y="1643882"/>
-                  </a:lnTo>
-                  <a:lnTo>
-                    <a:pt x="977308" y="1698933"/>
-                  </a:lnTo>
-                  <a:lnTo>
-                    <a:pt x="1042461" y="1753983"/>
-                  </a:lnTo>
-                  <a:lnTo>
-                    <a:pt x="1107615" y="1809034"/>
-                  </a:lnTo>
-                  <a:lnTo>
-                    <a:pt x="1172769" y="1864084"/>
-                  </a:lnTo>
-                  <a:lnTo>
-                    <a:pt x="1237923" y="1919135"/>
-                  </a:lnTo>
-                  <a:lnTo>
-                    <a:pt x="1303077" y="1974185"/>
-                  </a:lnTo>
-                  <a:lnTo>
-                    <a:pt x="1368231" y="2029236"/>
-                  </a:lnTo>
-                  <a:lnTo>
-                    <a:pt x="1433385" y="2084286"/>
-                  </a:lnTo>
-                  <a:lnTo>
-                    <a:pt x="1498538" y="2139337"/>
-                  </a:lnTo>
-                  <a:lnTo>
-                    <a:pt x="1563692" y="2194387"/>
-                  </a:lnTo>
-                  <a:lnTo>
-                    <a:pt x="1628846" y="2249438"/>
-                  </a:lnTo>
-                  <a:lnTo>
-                    <a:pt x="1694000" y="2304488"/>
-                  </a:lnTo>
-                  <a:lnTo>
-                    <a:pt x="1759154" y="2359539"/>
-                  </a:lnTo>
-                  <a:lnTo>
-                    <a:pt x="1824308" y="2414589"/>
+                    <a:pt x="1931102" y="2384213"/>
+                  </a:lnTo>
+                  <a:lnTo>
+                    <a:pt x="1926104" y="2299062"/>
+                  </a:lnTo>
+                  <a:lnTo>
+                    <a:pt x="1921105" y="2213912"/>
+                  </a:lnTo>
+                  <a:lnTo>
+                    <a:pt x="1916107" y="2128761"/>
+                  </a:lnTo>
+                  <a:lnTo>
+                    <a:pt x="1911109" y="2043611"/>
+                  </a:lnTo>
+                  <a:lnTo>
+                    <a:pt x="1906111" y="1958460"/>
+                  </a:lnTo>
+                  <a:lnTo>
+                    <a:pt x="1901113" y="1873310"/>
+                  </a:lnTo>
+                  <a:lnTo>
+                    <a:pt x="1896115" y="1788159"/>
+                  </a:lnTo>
+                  <a:lnTo>
+                    <a:pt x="1891117" y="1703009"/>
+                  </a:lnTo>
+                  <a:lnTo>
+                    <a:pt x="1886119" y="1617858"/>
+                  </a:lnTo>
+                  <a:lnTo>
+                    <a:pt x="1881121" y="1532708"/>
+                  </a:lnTo>
+                  <a:lnTo>
+                    <a:pt x="1876123" y="1447558"/>
+                  </a:lnTo>
+                  <a:lnTo>
+                    <a:pt x="1871124" y="1362407"/>
+                  </a:lnTo>
+                  <a:lnTo>
+                    <a:pt x="1866126" y="1277257"/>
+                  </a:lnTo>
+                  <a:lnTo>
+                    <a:pt x="1861128" y="1192106"/>
+                  </a:lnTo>
+                  <a:lnTo>
+                    <a:pt x="1856130" y="1106956"/>
+                  </a:lnTo>
+                  <a:lnTo>
+                    <a:pt x="1851132" y="1021805"/>
+                  </a:lnTo>
+                  <a:lnTo>
+                    <a:pt x="1846134" y="936655"/>
+                  </a:lnTo>
+                  <a:lnTo>
+                    <a:pt x="1841136" y="851504"/>
+                  </a:lnTo>
+                  <a:lnTo>
+                    <a:pt x="1836138" y="766354"/>
+                  </a:lnTo>
+                  <a:lnTo>
+                    <a:pt x="1831140" y="681203"/>
+                  </a:lnTo>
+                  <a:lnTo>
+                    <a:pt x="1826142" y="596053"/>
+                  </a:lnTo>
+                  <a:lnTo>
+                    <a:pt x="1821143" y="510902"/>
+                  </a:lnTo>
+                  <a:lnTo>
+                    <a:pt x="1816145" y="425752"/>
+                  </a:lnTo>
+                  <a:lnTo>
+                    <a:pt x="1811147" y="340601"/>
+                  </a:lnTo>
+                  <a:lnTo>
+                    <a:pt x="1806149" y="255451"/>
+                  </a:lnTo>
+                  <a:lnTo>
+                    <a:pt x="1801151" y="170300"/>
+                  </a:lnTo>
+                  <a:lnTo>
+                    <a:pt x="1796153" y="85150"/>
+                  </a:lnTo>
+                  <a:lnTo>
+                    <a:pt x="1791155" y="0"/>
+                  </a:lnTo>
+                  <a:lnTo>
+                    <a:pt x="1704796" y="6587"/>
+                  </a:lnTo>
+                  <a:lnTo>
+                    <a:pt x="1618721" y="16194"/>
+                  </a:lnTo>
+                  <a:lnTo>
+                    <a:pt x="1533035" y="28809"/>
+                  </a:lnTo>
+                  <a:lnTo>
+                    <a:pt x="1447843" y="44415"/>
+                  </a:lnTo>
+                  <a:lnTo>
+                    <a:pt x="1363250" y="62995"/>
+                  </a:lnTo>
+                  <a:lnTo>
+                    <a:pt x="1279359" y="84524"/>
+                  </a:lnTo>
+                  <a:lnTo>
+                    <a:pt x="1196273" y="108977"/>
+                  </a:lnTo>
+                  <a:lnTo>
+                    <a:pt x="1114094" y="136324"/>
+                  </a:lnTo>
+                  <a:lnTo>
+                    <a:pt x="1032923" y="166531"/>
+                  </a:lnTo>
+                  <a:lnTo>
+                    <a:pt x="952859" y="199561"/>
+                  </a:lnTo>
+                  <a:lnTo>
+                    <a:pt x="874000" y="235373"/>
+                  </a:lnTo>
+                  <a:lnTo>
+                    <a:pt x="796444" y="273925"/>
+                  </a:lnTo>
+                  <a:lnTo>
+                    <a:pt x="720285" y="315167"/>
+                  </a:lnTo>
+                  <a:lnTo>
+                    <a:pt x="645616" y="359051"/>
+                  </a:lnTo>
+                  <a:lnTo>
+                    <a:pt x="572529" y="405522"/>
+                  </a:lnTo>
+                  <a:lnTo>
+                    <a:pt x="501114" y="454523"/>
+                  </a:lnTo>
+                  <a:lnTo>
+                    <a:pt x="431458" y="505994"/>
+                  </a:lnTo>
+                  <a:lnTo>
+                    <a:pt x="363647" y="559872"/>
+                  </a:lnTo>
+                  <a:lnTo>
+                    <a:pt x="297763" y="616091"/>
+                  </a:lnTo>
+                  <a:lnTo>
+                    <a:pt x="233888" y="674582"/>
+                  </a:lnTo>
+                  <a:lnTo>
+                    <a:pt x="172099" y="735273"/>
+                  </a:lnTo>
+                  <a:lnTo>
+                    <a:pt x="112474" y="798090"/>
+                  </a:lnTo>
+                  <a:lnTo>
+                    <a:pt x="55084" y="862956"/>
+                  </a:lnTo>
+                  <a:lnTo>
+                    <a:pt x="0" y="929791"/>
+                  </a:lnTo>
+                  <a:lnTo>
+                    <a:pt x="66762" y="982880"/>
+                  </a:lnTo>
+                  <a:lnTo>
+                    <a:pt x="133524" y="1035969"/>
+                  </a:lnTo>
+                  <a:lnTo>
+                    <a:pt x="200286" y="1089057"/>
+                  </a:lnTo>
+                  <a:lnTo>
+                    <a:pt x="267048" y="1142146"/>
+                  </a:lnTo>
+                  <a:lnTo>
+                    <a:pt x="333810" y="1195235"/>
+                  </a:lnTo>
+                  <a:lnTo>
+                    <a:pt x="400572" y="1248323"/>
+                  </a:lnTo>
+                  <a:lnTo>
+                    <a:pt x="467334" y="1301412"/>
+                  </a:lnTo>
+                  <a:lnTo>
+                    <a:pt x="534096" y="1354501"/>
+                  </a:lnTo>
+                  <a:lnTo>
+                    <a:pt x="600858" y="1407589"/>
+                  </a:lnTo>
+                  <a:lnTo>
+                    <a:pt x="667620" y="1460678"/>
+                  </a:lnTo>
+                  <a:lnTo>
+                    <a:pt x="734382" y="1513767"/>
+                  </a:lnTo>
+                  <a:lnTo>
+                    <a:pt x="801144" y="1566856"/>
+                  </a:lnTo>
+                  <a:lnTo>
+                    <a:pt x="867907" y="1619944"/>
+                  </a:lnTo>
+                  <a:lnTo>
+                    <a:pt x="934669" y="1673033"/>
+                  </a:lnTo>
+                  <a:lnTo>
+                    <a:pt x="1001431" y="1726122"/>
+                  </a:lnTo>
+                  <a:lnTo>
+                    <a:pt x="1068193" y="1779210"/>
+                  </a:lnTo>
+                  <a:lnTo>
+                    <a:pt x="1134955" y="1832299"/>
+                  </a:lnTo>
+                  <a:lnTo>
+                    <a:pt x="1201717" y="1885388"/>
+                  </a:lnTo>
+                  <a:lnTo>
+                    <a:pt x="1268479" y="1938476"/>
+                  </a:lnTo>
+                  <a:lnTo>
+                    <a:pt x="1335241" y="1991565"/>
+                  </a:lnTo>
+                  <a:lnTo>
+                    <a:pt x="1402003" y="2044654"/>
+                  </a:lnTo>
+                  <a:lnTo>
+                    <a:pt x="1468765" y="2097742"/>
+                  </a:lnTo>
+                  <a:lnTo>
+                    <a:pt x="1535527" y="2150831"/>
+                  </a:lnTo>
+                  <a:lnTo>
+                    <a:pt x="1602289" y="2203920"/>
+                  </a:lnTo>
+                  <a:lnTo>
+                    <a:pt x="1669051" y="2257008"/>
+                  </a:lnTo>
+                  <a:lnTo>
+                    <a:pt x="1735814" y="2310097"/>
+                  </a:lnTo>
+                  <a:lnTo>
+                    <a:pt x="1802576" y="2363186"/>
+                  </a:lnTo>
+                  <a:lnTo>
+                    <a:pt x="1869338" y="2416274"/>
                   </a:lnTo>
                   <a:close/>
                 </a:path>
@@ -4339,189 +4339,189 @@
           </p:nvSpPr>
           <p:spPr>
             <a:xfrm>
-              <a:off x="5346244" y="1749568"/>
-              <a:ext cx="140155" cy="2473613"/>
+              <a:off x="5341455" y="1749568"/>
+              <a:ext cx="144944" cy="2473613"/>
             </a:xfrm>
             <a:custGeom>
               <a:avLst/>
               <a:pathLst>
-                <a:path w="140155" h="2473613">
+                <a:path w="144944" h="2473613">
                   <a:moveTo>
-                    <a:pt x="140155" y="2473613"/>
+                    <a:pt x="144944" y="2473613"/>
                   </a:moveTo>
                   <a:lnTo>
-                    <a:pt x="140155" y="2388316"/>
-                  </a:lnTo>
-                  <a:lnTo>
-                    <a:pt x="140155" y="2303019"/>
-                  </a:lnTo>
-                  <a:lnTo>
-                    <a:pt x="140155" y="2217722"/>
-                  </a:lnTo>
-                  <a:lnTo>
-                    <a:pt x="140155" y="2132425"/>
-                  </a:lnTo>
-                  <a:lnTo>
-                    <a:pt x="140155" y="2047128"/>
-                  </a:lnTo>
-                  <a:lnTo>
-                    <a:pt x="140155" y="1961831"/>
-                  </a:lnTo>
-                  <a:lnTo>
-                    <a:pt x="140155" y="1876534"/>
-                  </a:lnTo>
-                  <a:lnTo>
-                    <a:pt x="140155" y="1791237"/>
-                  </a:lnTo>
-                  <a:lnTo>
-                    <a:pt x="140155" y="1705940"/>
-                  </a:lnTo>
-                  <a:lnTo>
-                    <a:pt x="140155" y="1620643"/>
-                  </a:lnTo>
-                  <a:lnTo>
-                    <a:pt x="140155" y="1535346"/>
-                  </a:lnTo>
-                  <a:lnTo>
-                    <a:pt x="140155" y="1450049"/>
-                  </a:lnTo>
-                  <a:lnTo>
-                    <a:pt x="140155" y="1364752"/>
-                  </a:lnTo>
-                  <a:lnTo>
-                    <a:pt x="140155" y="1279455"/>
-                  </a:lnTo>
-                  <a:lnTo>
-                    <a:pt x="140155" y="1194158"/>
-                  </a:lnTo>
-                  <a:lnTo>
-                    <a:pt x="140155" y="1108861"/>
-                  </a:lnTo>
-                  <a:lnTo>
-                    <a:pt x="140155" y="1023564"/>
-                  </a:lnTo>
-                  <a:lnTo>
-                    <a:pt x="140155" y="938267"/>
-                  </a:lnTo>
-                  <a:lnTo>
-                    <a:pt x="140155" y="852970"/>
-                  </a:lnTo>
-                  <a:lnTo>
-                    <a:pt x="140155" y="767673"/>
-                  </a:lnTo>
-                  <a:lnTo>
-                    <a:pt x="140155" y="682376"/>
-                  </a:lnTo>
-                  <a:lnTo>
-                    <a:pt x="140155" y="597079"/>
-                  </a:lnTo>
-                  <a:lnTo>
-                    <a:pt x="140155" y="511782"/>
-                  </a:lnTo>
-                  <a:lnTo>
-                    <a:pt x="140155" y="426485"/>
-                  </a:lnTo>
-                  <a:lnTo>
-                    <a:pt x="140155" y="341188"/>
-                  </a:lnTo>
-                  <a:lnTo>
-                    <a:pt x="140155" y="255891"/>
-                  </a:lnTo>
-                  <a:lnTo>
-                    <a:pt x="140155" y="170594"/>
-                  </a:lnTo>
-                  <a:lnTo>
-                    <a:pt x="140155" y="85297"/>
-                  </a:lnTo>
-                  <a:lnTo>
-                    <a:pt x="140155" y="0"/>
-                  </a:lnTo>
-                  <a:lnTo>
-                    <a:pt x="0" y="3973"/>
-                  </a:lnTo>
-                  <a:lnTo>
-                    <a:pt x="4832" y="89133"/>
-                  </a:lnTo>
-                  <a:lnTo>
-                    <a:pt x="9665" y="174293"/>
-                  </a:lnTo>
-                  <a:lnTo>
-                    <a:pt x="14498" y="259453"/>
-                  </a:lnTo>
-                  <a:lnTo>
-                    <a:pt x="19331" y="344613"/>
-                  </a:lnTo>
-                  <a:lnTo>
-                    <a:pt x="24164" y="429773"/>
-                  </a:lnTo>
-                  <a:lnTo>
-                    <a:pt x="28997" y="514933"/>
-                  </a:lnTo>
-                  <a:lnTo>
-                    <a:pt x="33830" y="600093"/>
-                  </a:lnTo>
-                  <a:lnTo>
-                    <a:pt x="38663" y="685253"/>
-                  </a:lnTo>
-                  <a:lnTo>
-                    <a:pt x="43496" y="770413"/>
-                  </a:lnTo>
-                  <a:lnTo>
-                    <a:pt x="48329" y="855573"/>
-                  </a:lnTo>
-                  <a:lnTo>
-                    <a:pt x="53162" y="940733"/>
-                  </a:lnTo>
-                  <a:lnTo>
-                    <a:pt x="57995" y="1025893"/>
-                  </a:lnTo>
-                  <a:lnTo>
-                    <a:pt x="62828" y="1111053"/>
-                  </a:lnTo>
-                  <a:lnTo>
-                    <a:pt x="67661" y="1196213"/>
-                  </a:lnTo>
-                  <a:lnTo>
-                    <a:pt x="72493" y="1281373"/>
-                  </a:lnTo>
-                  <a:lnTo>
-                    <a:pt x="77326" y="1366533"/>
-                  </a:lnTo>
-                  <a:lnTo>
-                    <a:pt x="82159" y="1451693"/>
-                  </a:lnTo>
-                  <a:lnTo>
-                    <a:pt x="86992" y="1536853"/>
-                  </a:lnTo>
-                  <a:lnTo>
-                    <a:pt x="91825" y="1622013"/>
-                  </a:lnTo>
-                  <a:lnTo>
-                    <a:pt x="96658" y="1707173"/>
-                  </a:lnTo>
-                  <a:lnTo>
-                    <a:pt x="101491" y="1792333"/>
-                  </a:lnTo>
-                  <a:lnTo>
-                    <a:pt x="106324" y="1877493"/>
-                  </a:lnTo>
-                  <a:lnTo>
-                    <a:pt x="111157" y="1962653"/>
-                  </a:lnTo>
-                  <a:lnTo>
-                    <a:pt x="115990" y="2047813"/>
-                  </a:lnTo>
-                  <a:lnTo>
-                    <a:pt x="120823" y="2132973"/>
-                  </a:lnTo>
-                  <a:lnTo>
-                    <a:pt x="125656" y="2218133"/>
-                  </a:lnTo>
-                  <a:lnTo>
-                    <a:pt x="130489" y="2303293"/>
-                  </a:lnTo>
-                  <a:lnTo>
-                    <a:pt x="135322" y="2388453"/>
+                    <a:pt x="144944" y="2388316"/>
+                  </a:lnTo>
+                  <a:lnTo>
+                    <a:pt x="144944" y="2303019"/>
+                  </a:lnTo>
+                  <a:lnTo>
+                    <a:pt x="144944" y="2217722"/>
+                  </a:lnTo>
+                  <a:lnTo>
+                    <a:pt x="144944" y="2132425"/>
+                  </a:lnTo>
+                  <a:lnTo>
+                    <a:pt x="144944" y="2047128"/>
+                  </a:lnTo>
+                  <a:lnTo>
+                    <a:pt x="144944" y="1961831"/>
+                  </a:lnTo>
+                  <a:lnTo>
+                    <a:pt x="144944" y="1876534"/>
+                  </a:lnTo>
+                  <a:lnTo>
+                    <a:pt x="144944" y="1791237"/>
+                  </a:lnTo>
+                  <a:lnTo>
+                    <a:pt x="144944" y="1705940"/>
+                  </a:lnTo>
+                  <a:lnTo>
+                    <a:pt x="144944" y="1620643"/>
+                  </a:lnTo>
+                  <a:lnTo>
+                    <a:pt x="144944" y="1535346"/>
+                  </a:lnTo>
+                  <a:lnTo>
+                    <a:pt x="144944" y="1450049"/>
+                  </a:lnTo>
+                  <a:lnTo>
+                    <a:pt x="144944" y="1364752"/>
+                  </a:lnTo>
+                  <a:lnTo>
+                    <a:pt x="144944" y="1279455"/>
+                  </a:lnTo>
+                  <a:lnTo>
+                    <a:pt x="144944" y="1194158"/>
+                  </a:lnTo>
+                  <a:lnTo>
+                    <a:pt x="144944" y="1108861"/>
+                  </a:lnTo>
+                  <a:lnTo>
+                    <a:pt x="144944" y="1023564"/>
+                  </a:lnTo>
+                  <a:lnTo>
+                    <a:pt x="144944" y="938267"/>
+                  </a:lnTo>
+                  <a:lnTo>
+                    <a:pt x="144944" y="852970"/>
+                  </a:lnTo>
+                  <a:lnTo>
+                    <a:pt x="144944" y="767673"/>
+                  </a:lnTo>
+                  <a:lnTo>
+                    <a:pt x="144944" y="682376"/>
+                  </a:lnTo>
+                  <a:lnTo>
+                    <a:pt x="144944" y="597079"/>
+                  </a:lnTo>
+                  <a:lnTo>
+                    <a:pt x="144944" y="511782"/>
+                  </a:lnTo>
+                  <a:lnTo>
+                    <a:pt x="144944" y="426485"/>
+                  </a:lnTo>
+                  <a:lnTo>
+                    <a:pt x="144944" y="341188"/>
+                  </a:lnTo>
+                  <a:lnTo>
+                    <a:pt x="144944" y="255891"/>
+                  </a:lnTo>
+                  <a:lnTo>
+                    <a:pt x="144944" y="170594"/>
+                  </a:lnTo>
+                  <a:lnTo>
+                    <a:pt x="144944" y="85297"/>
+                  </a:lnTo>
+                  <a:lnTo>
+                    <a:pt x="144944" y="0"/>
+                  </a:lnTo>
+                  <a:lnTo>
+                    <a:pt x="0" y="4250"/>
+                  </a:lnTo>
+                  <a:lnTo>
+                    <a:pt x="4998" y="89400"/>
+                  </a:lnTo>
+                  <a:lnTo>
+                    <a:pt x="9996" y="174551"/>
+                  </a:lnTo>
+                  <a:lnTo>
+                    <a:pt x="14994" y="259701"/>
+                  </a:lnTo>
+                  <a:lnTo>
+                    <a:pt x="19992" y="344852"/>
+                  </a:lnTo>
+                  <a:lnTo>
+                    <a:pt x="24990" y="430002"/>
+                  </a:lnTo>
+                  <a:lnTo>
+                    <a:pt x="29988" y="515153"/>
+                  </a:lnTo>
+                  <a:lnTo>
+                    <a:pt x="34986" y="600303"/>
+                  </a:lnTo>
+                  <a:lnTo>
+                    <a:pt x="39984" y="685454"/>
+                  </a:lnTo>
+                  <a:lnTo>
+                    <a:pt x="44982" y="770604"/>
+                  </a:lnTo>
+                  <a:lnTo>
+                    <a:pt x="49981" y="855754"/>
+                  </a:lnTo>
+                  <a:lnTo>
+                    <a:pt x="54979" y="940905"/>
+                  </a:lnTo>
+                  <a:lnTo>
+                    <a:pt x="59977" y="1026055"/>
+                  </a:lnTo>
+                  <a:lnTo>
+                    <a:pt x="64975" y="1111206"/>
+                  </a:lnTo>
+                  <a:lnTo>
+                    <a:pt x="69973" y="1196356"/>
+                  </a:lnTo>
+                  <a:lnTo>
+                    <a:pt x="74971" y="1281507"/>
+                  </a:lnTo>
+                  <a:lnTo>
+                    <a:pt x="79969" y="1366657"/>
+                  </a:lnTo>
+                  <a:lnTo>
+                    <a:pt x="84967" y="1451808"/>
+                  </a:lnTo>
+                  <a:lnTo>
+                    <a:pt x="89965" y="1536958"/>
+                  </a:lnTo>
+                  <a:lnTo>
+                    <a:pt x="94963" y="1622109"/>
+                  </a:lnTo>
+                  <a:lnTo>
+                    <a:pt x="99962" y="1707259"/>
+                  </a:lnTo>
+                  <a:lnTo>
+                    <a:pt x="104960" y="1792410"/>
+                  </a:lnTo>
+                  <a:lnTo>
+                    <a:pt x="109958" y="1877560"/>
+                  </a:lnTo>
+                  <a:lnTo>
+                    <a:pt x="114956" y="1962711"/>
+                  </a:lnTo>
+                  <a:lnTo>
+                    <a:pt x="119954" y="2047861"/>
+                  </a:lnTo>
+                  <a:lnTo>
+                    <a:pt x="124952" y="2133012"/>
+                  </a:lnTo>
+                  <a:lnTo>
+                    <a:pt x="129950" y="2218162"/>
+                  </a:lnTo>
+                  <a:lnTo>
+                    <a:pt x="134948" y="2303312"/>
+                  </a:lnTo>
+                  <a:lnTo>
+                    <a:pt x="139946" y="2388463"/>
                   </a:lnTo>
                   <a:close/>
                 </a:path>
@@ -4550,53 +4550,13 @@
         </p:sp>
         <p:sp>
           <p:nvSpPr>
-            <p:cNvPr id="13" name="pl12"/>
+            <p:cNvPr id="13" name="tx12"/>
             <p:cNvSpPr/>
             <p:nvPr/>
           </p:nvSpPr>
           <p:spPr>
             <a:xfrm>
-              <a:off x="4254911" y="4339342"/>
-              <a:ext cx="7996" cy="102520"/>
-            </a:xfrm>
-            <a:custGeom>
-              <a:avLst/>
-              <a:pathLst>
-                <a:path w="7996" h="102520">
-                  <a:moveTo>
-                    <a:pt x="7996" y="102520"/>
-                  </a:moveTo>
-                  <a:lnTo>
-                    <a:pt x="0" y="0"/>
-                  </a:lnTo>
-                </a:path>
-              </a:pathLst>
-            </a:custGeom>
-            <a:ln w="13550" cap="rnd">
-              <a:solidFill>
-                <a:srgbClr val="000000">
-                  <a:alpha val="100000"/>
-                </a:srgbClr>
-              </a:solidFill>
-              <a:prstDash val="solid"/>
-              <a:round/>
-            </a:ln>
-          </p:spPr>
-          <p:txBody>
-            <a:bodyPr/>
-            <a:lstStyle/>
-            <a:p/>
-          </p:txBody>
-        </p:sp>
-        <p:sp>
-          <p:nvSpPr>
-            <p:cNvPr id="14" name="tx13"/>
-            <p:cNvSpPr/>
-            <p:nvPr/>
-          </p:nvSpPr>
-          <p:spPr>
-            <a:xfrm>
-              <a:off x="6358529" y="3830755"/>
+              <a:off x="6345447" y="3902702"/>
               <a:ext cx="1289638" cy="203471"/>
             </a:xfrm>
             <a:prstGeom prst="rect">
@@ -4636,13 +4596,13 @@
         </p:sp>
         <p:sp>
           <p:nvSpPr>
-            <p:cNvPr id="15" name="tx14"/>
+            <p:cNvPr id="14" name="tx13"/>
             <p:cNvSpPr/>
             <p:nvPr/>
           </p:nvSpPr>
           <p:spPr>
             <a:xfrm>
-              <a:off x="6521137" y="4185837"/>
+              <a:off x="6508054" y="4257783"/>
               <a:ext cx="964423" cy="160596"/>
             </a:xfrm>
             <a:prstGeom prst="rect">
@@ -4675,20 +4635,20 @@
                   <a:latin typeface="Arial"/>
                   <a:cs typeface="Arial"/>
                 </a:rPr>
-                <a:t> 364 / 365</a:t>
+                <a:t> 364 / 364</a:t>
               </a:r>
             </a:p>
           </p:txBody>
         </p:sp>
         <p:sp>
           <p:nvSpPr>
-            <p:cNvPr id="16" name="tx15"/>
+            <p:cNvPr id="15" name="tx14"/>
             <p:cNvSpPr/>
             <p:nvPr/>
           </p:nvSpPr>
           <p:spPr>
             <a:xfrm>
-              <a:off x="4119110" y="5043508"/>
+              <a:off x="4048448" y="4953559"/>
               <a:ext cx="1446105" cy="200930"/>
             </a:xfrm>
             <a:prstGeom prst="rect">
@@ -4728,13 +4688,13 @@
         </p:sp>
         <p:sp>
           <p:nvSpPr>
-            <p:cNvPr id="17" name="tx16"/>
+            <p:cNvPr id="16" name="tx15"/>
             <p:cNvSpPr/>
             <p:nvPr/>
           </p:nvSpPr>
           <p:spPr>
             <a:xfrm>
-              <a:off x="4359951" y="5396155"/>
+              <a:off x="4289290" y="5306206"/>
               <a:ext cx="964423" cy="160490"/>
             </a:xfrm>
             <a:prstGeom prst="rect">
@@ -4767,20 +4727,20 @@
                   <a:latin typeface="Arial"/>
                   <a:cs typeface="Arial"/>
                 </a:rPr>
-                <a:t> 119 / 120</a:t>
+                <a:t> 110 / 110</a:t>
               </a:r>
             </a:p>
           </p:txBody>
         </p:sp>
         <p:sp>
           <p:nvSpPr>
-            <p:cNvPr id="18" name="tx17"/>
+            <p:cNvPr id="17" name="tx16"/>
             <p:cNvSpPr/>
             <p:nvPr/>
           </p:nvSpPr>
           <p:spPr>
             <a:xfrm>
-              <a:off x="4285768" y="4367058"/>
+              <a:off x="3927735" y="4251520"/>
               <a:ext cx="1229507" cy="200824"/>
             </a:xfrm>
             <a:prstGeom prst="rect">
@@ -4820,13 +4780,13 @@
         </p:sp>
         <p:sp>
           <p:nvSpPr>
-            <p:cNvPr id="19" name="tx18"/>
+            <p:cNvPr id="18" name="tx17"/>
             <p:cNvSpPr/>
             <p:nvPr/>
           </p:nvSpPr>
           <p:spPr>
             <a:xfrm>
-              <a:off x="4538889" y="4719599"/>
+              <a:off x="4180857" y="4604060"/>
               <a:ext cx="723264" cy="160490"/>
             </a:xfrm>
             <a:prstGeom prst="rect">
@@ -4866,13 +4826,13 @@
         </p:sp>
         <p:sp>
           <p:nvSpPr>
-            <p:cNvPr id="20" name="tx19"/>
+            <p:cNvPr id="19" name="tx18"/>
             <p:cNvSpPr/>
             <p:nvPr/>
           </p:nvSpPr>
           <p:spPr>
             <a:xfrm>
-              <a:off x="3338811" y="4263613"/>
+              <a:off x="3338809" y="3696783"/>
               <a:ext cx="855489" cy="157737"/>
             </a:xfrm>
             <a:prstGeom prst="rect">
@@ -4912,13 +4872,13 @@
         </p:sp>
         <p:sp>
           <p:nvSpPr>
-            <p:cNvPr id="21" name="tx20"/>
+            <p:cNvPr id="20" name="tx19"/>
             <p:cNvSpPr/>
             <p:nvPr/>
           </p:nvSpPr>
           <p:spPr>
             <a:xfrm>
-              <a:off x="3525503" y="4573067"/>
+              <a:off x="3525500" y="4006237"/>
               <a:ext cx="482105" cy="160490"/>
             </a:xfrm>
             <a:prstGeom prst="rect">
@@ -4951,20 +4911,20 @@
                   <a:latin typeface="Arial"/>
                   <a:cs typeface="Arial"/>
                 </a:rPr>
-                <a:t> 7 / 9</a:t>
+                <a:t> 6 / 6</a:t>
               </a:r>
             </a:p>
           </p:txBody>
         </p:sp>
         <p:sp>
           <p:nvSpPr>
-            <p:cNvPr id="22" name="tx21"/>
+            <p:cNvPr id="21" name="tx20"/>
             <p:cNvSpPr/>
             <p:nvPr/>
           </p:nvSpPr>
           <p:spPr>
             <a:xfrm>
-              <a:off x="2860927" y="3704331"/>
+              <a:off x="4328089" y="3724262"/>
               <a:ext cx="1325738" cy="157737"/>
             </a:xfrm>
             <a:prstGeom prst="rect">
@@ -5004,13 +4964,13 @@
         </p:sp>
         <p:sp>
           <p:nvSpPr>
-            <p:cNvPr id="23" name="tx22"/>
+            <p:cNvPr id="22" name="tx21"/>
             <p:cNvSpPr/>
             <p:nvPr/>
           </p:nvSpPr>
           <p:spPr>
             <a:xfrm>
-              <a:off x="3162164" y="4013785"/>
+              <a:off x="4629326" y="4033716"/>
               <a:ext cx="723264" cy="160490"/>
             </a:xfrm>
             <a:prstGeom prst="rect">
@@ -5043,20 +5003,20 @@
                   <a:latin typeface="Arial"/>
                   <a:cs typeface="Arial"/>
                 </a:rPr>
-                <a:t> 22 / 22</a:t>
+                <a:t> 15 / 15</a:t>
               </a:r>
             </a:p>
           </p:txBody>
         </p:sp>
         <p:sp>
           <p:nvSpPr>
-            <p:cNvPr id="24" name="tx23"/>
+            <p:cNvPr id="23" name="tx22"/>
             <p:cNvSpPr/>
             <p:nvPr/>
           </p:nvSpPr>
           <p:spPr>
             <a:xfrm>
-              <a:off x="4246525" y="3146002"/>
+              <a:off x="4011934" y="3138105"/>
               <a:ext cx="843526" cy="157737"/>
             </a:xfrm>
             <a:prstGeom prst="rect">
@@ -5096,13 +5056,13 @@
         </p:sp>
         <p:sp>
           <p:nvSpPr>
-            <p:cNvPr id="25" name="tx24"/>
+            <p:cNvPr id="24" name="tx23"/>
             <p:cNvSpPr/>
             <p:nvPr/>
           </p:nvSpPr>
           <p:spPr>
             <a:xfrm>
-              <a:off x="4306656" y="3455456"/>
+              <a:off x="4072065" y="3447559"/>
               <a:ext cx="723264" cy="160490"/>
             </a:xfrm>
             <a:prstGeom prst="rect">
@@ -5135,20 +5095,20 @@
                   <a:latin typeface="Arial"/>
                   <a:cs typeface="Arial"/>
                 </a:rPr>
-                <a:t> 47 / 49</a:t>
+                <a:t> 42 / 42</a:t>
               </a:r>
             </a:p>
           </p:txBody>
         </p:sp>
         <p:sp>
           <p:nvSpPr>
-            <p:cNvPr id="26" name="tx25"/>
+            <p:cNvPr id="25" name="tx24"/>
             <p:cNvSpPr/>
             <p:nvPr/>
           </p:nvSpPr>
           <p:spPr>
             <a:xfrm>
-              <a:off x="4017782" y="2541787"/>
+              <a:off x="4160854" y="2532133"/>
               <a:ext cx="1229295" cy="203471"/>
             </a:xfrm>
             <a:prstGeom prst="rect">
@@ -5188,13 +5148,13 @@
         </p:sp>
         <p:sp>
           <p:nvSpPr>
-            <p:cNvPr id="27" name="tx26"/>
+            <p:cNvPr id="26" name="tx25"/>
             <p:cNvSpPr/>
             <p:nvPr/>
           </p:nvSpPr>
           <p:spPr>
             <a:xfrm>
-              <a:off x="4270798" y="2896974"/>
+              <a:off x="4413870" y="2887320"/>
               <a:ext cx="723264" cy="160490"/>
             </a:xfrm>
             <a:prstGeom prst="rect">
@@ -5227,20 +5187,20 @@
                   <a:latin typeface="Arial"/>
                   <a:cs typeface="Arial"/>
                 </a:rPr>
-                <a:t> 86 / 87</a:t>
+                <a:t> 86 / 86</a:t>
               </a:r>
             </a:p>
           </p:txBody>
         </p:sp>
         <p:sp>
           <p:nvSpPr>
-            <p:cNvPr id="28" name="tx27"/>
+            <p:cNvPr id="27" name="tx26"/>
             <p:cNvSpPr/>
             <p:nvPr/>
           </p:nvSpPr>
           <p:spPr>
             <a:xfrm>
-              <a:off x="5337883" y="2457052"/>
+              <a:off x="5481269" y="2457614"/>
               <a:ext cx="952143" cy="157737"/>
             </a:xfrm>
             <a:prstGeom prst="rect">
@@ -5280,14 +5240,14 @@
         </p:sp>
         <p:sp>
           <p:nvSpPr>
-            <p:cNvPr id="29" name="tx28"/>
+            <p:cNvPr id="28" name="tx27"/>
             <p:cNvSpPr/>
             <p:nvPr/>
           </p:nvSpPr>
           <p:spPr>
             <a:xfrm>
-              <a:off x="5452322" y="2766506"/>
-              <a:ext cx="723264" cy="160490"/>
+              <a:off x="5595708" y="2766962"/>
+              <a:ext cx="723264" cy="160596"/>
             </a:xfrm>
             <a:prstGeom prst="rect">
               <a:avLst/>
@@ -5319,14 +5279,14 @@
                   <a:latin typeface="Arial"/>
                   <a:cs typeface="Arial"/>
                 </a:rPr>
-                <a:t> 6 / 142</a:t>
+                <a:t> 6 / 135</a:t>
               </a:r>
             </a:p>
           </p:txBody>
         </p:sp>
         <p:sp>
           <p:nvSpPr>
-            <p:cNvPr id="30" name="tx29"/>
+            <p:cNvPr id="29" name="tx28"/>
             <p:cNvSpPr/>
             <p:nvPr/>
           </p:nvSpPr>

--- a/Images/Figures_PPT/RaptorPie.pptx
+++ b/Images/Figures_PPT/RaptorPie.pptx
@@ -4556,7 +4556,7 @@
           </p:nvSpPr>
           <p:spPr>
             <a:xfrm>
-              <a:off x="6345447" y="3902702"/>
+              <a:off x="5759096" y="4488946"/>
               <a:ext cx="1289638" cy="203471"/>
             </a:xfrm>
             <a:prstGeom prst="rect">
@@ -4602,7 +4602,7 @@
           </p:nvSpPr>
           <p:spPr>
             <a:xfrm>
-              <a:off x="6508054" y="4257783"/>
+              <a:off x="5921704" y="4844027"/>
               <a:ext cx="964423" cy="160596"/>
             </a:xfrm>
             <a:prstGeom prst="rect">
@@ -4648,7 +4648,7 @@
           </p:nvSpPr>
           <p:spPr>
             <a:xfrm>
-              <a:off x="4048448" y="4953559"/>
+              <a:off x="4048605" y="4953711"/>
               <a:ext cx="1446105" cy="200930"/>
             </a:xfrm>
             <a:prstGeom prst="rect">
@@ -4694,7 +4694,7 @@
           </p:nvSpPr>
           <p:spPr>
             <a:xfrm>
-              <a:off x="4289290" y="5306206"/>
+              <a:off x="4289447" y="5306358"/>
               <a:ext cx="964423" cy="160490"/>
             </a:xfrm>
             <a:prstGeom prst="rect">
@@ -4740,7 +4740,7 @@
           </p:nvSpPr>
           <p:spPr>
             <a:xfrm>
-              <a:off x="3927735" y="4251520"/>
+              <a:off x="3927721" y="4251781"/>
               <a:ext cx="1229507" cy="200824"/>
             </a:xfrm>
             <a:prstGeom prst="rect">
@@ -4786,7 +4786,7 @@
           </p:nvSpPr>
           <p:spPr>
             <a:xfrm>
-              <a:off x="4180857" y="4604060"/>
+              <a:off x="4180842" y="4604321"/>
               <a:ext cx="723264" cy="160490"/>
             </a:xfrm>
             <a:prstGeom prst="rect">
@@ -4832,7 +4832,7 @@
           </p:nvSpPr>
           <p:spPr>
             <a:xfrm>
-              <a:off x="3338809" y="3696783"/>
+              <a:off x="3338795" y="3696473"/>
               <a:ext cx="855489" cy="157737"/>
             </a:xfrm>
             <a:prstGeom prst="rect">
@@ -4878,7 +4878,7 @@
           </p:nvSpPr>
           <p:spPr>
             <a:xfrm>
-              <a:off x="3525500" y="4006237"/>
+              <a:off x="3525486" y="4005927"/>
               <a:ext cx="482105" cy="160490"/>
             </a:xfrm>
             <a:prstGeom prst="rect">
@@ -4924,7 +4924,7 @@
           </p:nvSpPr>
           <p:spPr>
             <a:xfrm>
-              <a:off x="4328089" y="3724262"/>
+              <a:off x="4331033" y="3724095"/>
               <a:ext cx="1325738" cy="157737"/>
             </a:xfrm>
             <a:prstGeom prst="rect">
@@ -4970,7 +4970,7 @@
           </p:nvSpPr>
           <p:spPr>
             <a:xfrm>
-              <a:off x="4629326" y="4033716"/>
+              <a:off x="4632270" y="4033549"/>
               <a:ext cx="723264" cy="160490"/>
             </a:xfrm>
             <a:prstGeom prst="rect">
@@ -5016,7 +5016,7 @@
           </p:nvSpPr>
           <p:spPr>
             <a:xfrm>
-              <a:off x="4011934" y="3138105"/>
+              <a:off x="3667356" y="3137980"/>
               <a:ext cx="843526" cy="157737"/>
             </a:xfrm>
             <a:prstGeom prst="rect">
@@ -5062,7 +5062,7 @@
           </p:nvSpPr>
           <p:spPr>
             <a:xfrm>
-              <a:off x="4072065" y="3447559"/>
+              <a:off x="3727487" y="3447434"/>
               <a:ext cx="723264" cy="160490"/>
             </a:xfrm>
             <a:prstGeom prst="rect">
@@ -5108,7 +5108,7 @@
           </p:nvSpPr>
           <p:spPr>
             <a:xfrm>
-              <a:off x="4160854" y="2532133"/>
+              <a:off x="4161580" y="2531856"/>
               <a:ext cx="1229295" cy="203471"/>
             </a:xfrm>
             <a:prstGeom prst="rect">
@@ -5154,7 +5154,7 @@
           </p:nvSpPr>
           <p:spPr>
             <a:xfrm>
-              <a:off x="4413870" y="2887320"/>
+              <a:off x="4414596" y="2887043"/>
               <a:ext cx="723264" cy="160490"/>
             </a:xfrm>
             <a:prstGeom prst="rect">
@@ -5200,7 +5200,7 @@
           </p:nvSpPr>
           <p:spPr>
             <a:xfrm>
-              <a:off x="5481269" y="2457614"/>
+              <a:off x="5480539" y="2458088"/>
               <a:ext cx="952143" cy="157737"/>
             </a:xfrm>
             <a:prstGeom prst="rect">
@@ -5246,7 +5246,7 @@
           </p:nvSpPr>
           <p:spPr>
             <a:xfrm>
-              <a:off x="5595708" y="2766962"/>
+              <a:off x="5594978" y="2767436"/>
               <a:ext cx="723264" cy="160596"/>
             </a:xfrm>
             <a:prstGeom prst="rect">

--- a/Images/Figures_PPT/RaptorPie.pptx
+++ b/Images/Figures_PPT/RaptorPie.pptx
@@ -4556,7 +4556,7 @@
           </p:nvSpPr>
           <p:spPr>
             <a:xfrm>
-              <a:off x="5759096" y="4488946"/>
+              <a:off x="5757928" y="4490103"/>
               <a:ext cx="1289638" cy="203471"/>
             </a:xfrm>
             <a:prstGeom prst="rect">
@@ -4602,7 +4602,7 @@
           </p:nvSpPr>
           <p:spPr>
             <a:xfrm>
-              <a:off x="5921704" y="4844027"/>
+              <a:off x="5920535" y="4845184"/>
               <a:ext cx="964423" cy="160596"/>
             </a:xfrm>
             <a:prstGeom prst="rect">
@@ -4648,7 +4648,7 @@
           </p:nvSpPr>
           <p:spPr>
             <a:xfrm>
-              <a:off x="4048605" y="4953711"/>
+              <a:off x="4048479" y="4953411"/>
               <a:ext cx="1446105" cy="200930"/>
             </a:xfrm>
             <a:prstGeom prst="rect">
@@ -4694,7 +4694,7 @@
           </p:nvSpPr>
           <p:spPr>
             <a:xfrm>
-              <a:off x="4289447" y="5306358"/>
+              <a:off x="4289320" y="5306057"/>
               <a:ext cx="964423" cy="160490"/>
             </a:xfrm>
             <a:prstGeom prst="rect">
@@ -4740,7 +4740,7 @@
           </p:nvSpPr>
           <p:spPr>
             <a:xfrm>
-              <a:off x="3927721" y="4251781"/>
+              <a:off x="3928274" y="4252323"/>
               <a:ext cx="1229507" cy="200824"/>
             </a:xfrm>
             <a:prstGeom prst="rect">
@@ -4786,7 +4786,7 @@
           </p:nvSpPr>
           <p:spPr>
             <a:xfrm>
-              <a:off x="4180842" y="4604321"/>
+              <a:off x="4181395" y="4604864"/>
               <a:ext cx="723264" cy="160490"/>
             </a:xfrm>
             <a:prstGeom prst="rect">
@@ -4832,7 +4832,7 @@
           </p:nvSpPr>
           <p:spPr>
             <a:xfrm>
-              <a:off x="3338795" y="3696473"/>
+              <a:off x="3338845" y="3696838"/>
               <a:ext cx="855489" cy="157737"/>
             </a:xfrm>
             <a:prstGeom prst="rect">
@@ -4878,7 +4878,7 @@
           </p:nvSpPr>
           <p:spPr>
             <a:xfrm>
-              <a:off x="3525486" y="4005927"/>
+              <a:off x="3525537" y="4006292"/>
               <a:ext cx="482105" cy="160490"/>
             </a:xfrm>
             <a:prstGeom prst="rect">
@@ -4924,7 +4924,7 @@
           </p:nvSpPr>
           <p:spPr>
             <a:xfrm>
-              <a:off x="4331033" y="3724095"/>
+              <a:off x="4331187" y="3724135"/>
               <a:ext cx="1325738" cy="157737"/>
             </a:xfrm>
             <a:prstGeom prst="rect">
@@ -4970,7 +4970,7 @@
           </p:nvSpPr>
           <p:spPr>
             <a:xfrm>
-              <a:off x="4632270" y="4033549"/>
+              <a:off x="4632424" y="4033589"/>
               <a:ext cx="723264" cy="160490"/>
             </a:xfrm>
             <a:prstGeom prst="rect">
@@ -5016,7 +5016,7 @@
           </p:nvSpPr>
           <p:spPr>
             <a:xfrm>
-              <a:off x="3667356" y="3137980"/>
+              <a:off x="3664961" y="3136704"/>
               <a:ext cx="843526" cy="157737"/>
             </a:xfrm>
             <a:prstGeom prst="rect">
@@ -5062,7 +5062,7 @@
           </p:nvSpPr>
           <p:spPr>
             <a:xfrm>
-              <a:off x="3727487" y="3447434"/>
+              <a:off x="3725092" y="3446158"/>
               <a:ext cx="723264" cy="160490"/>
             </a:xfrm>
             <a:prstGeom prst="rect">
@@ -5108,7 +5108,7 @@
           </p:nvSpPr>
           <p:spPr>
             <a:xfrm>
-              <a:off x="4161580" y="2531856"/>
+              <a:off x="4161052" y="2532974"/>
               <a:ext cx="1229295" cy="203471"/>
             </a:xfrm>
             <a:prstGeom prst="rect">
@@ -5154,7 +5154,7 @@
           </p:nvSpPr>
           <p:spPr>
             <a:xfrm>
-              <a:off x="4414596" y="2887043"/>
+              <a:off x="4414068" y="2888161"/>
               <a:ext cx="723264" cy="160490"/>
             </a:xfrm>
             <a:prstGeom prst="rect">
@@ -5200,7 +5200,7 @@
           </p:nvSpPr>
           <p:spPr>
             <a:xfrm>
-              <a:off x="5480539" y="2458088"/>
+              <a:off x="5481750" y="2457279"/>
               <a:ext cx="952143" cy="157737"/>
             </a:xfrm>
             <a:prstGeom prst="rect">
@@ -5246,7 +5246,7 @@
           </p:nvSpPr>
           <p:spPr>
             <a:xfrm>
-              <a:off x="5594978" y="2767436"/>
+              <a:off x="5596189" y="2766627"/>
               <a:ext cx="723264" cy="160596"/>
             </a:xfrm>
             <a:prstGeom prst="rect">

--- a/Images/Figures_PPT/RaptorPie.pptx
+++ b/Images/Figures_PPT/RaptorPie.pptx
@@ -4556,7 +4556,7 @@
           </p:nvSpPr>
           <p:spPr>
             <a:xfrm>
-              <a:off x="5757928" y="4490103"/>
+              <a:off x="6345658" y="3902343"/>
               <a:ext cx="1289638" cy="203471"/>
             </a:xfrm>
             <a:prstGeom prst="rect">
@@ -4602,7 +4602,7 @@
           </p:nvSpPr>
           <p:spPr>
             <a:xfrm>
-              <a:off x="5920535" y="4845184"/>
+              <a:off x="6508265" y="4257424"/>
               <a:ext cx="964423" cy="160596"/>
             </a:xfrm>
             <a:prstGeom prst="rect">
@@ -4648,7 +4648,7 @@
           </p:nvSpPr>
           <p:spPr>
             <a:xfrm>
-              <a:off x="4048479" y="4953411"/>
+              <a:off x="4048455" y="4953454"/>
               <a:ext cx="1446105" cy="200930"/>
             </a:xfrm>
             <a:prstGeom prst="rect">
@@ -4694,7 +4694,7 @@
           </p:nvSpPr>
           <p:spPr>
             <a:xfrm>
-              <a:off x="4289320" y="5306057"/>
+              <a:off x="4289296" y="5306100"/>
               <a:ext cx="964423" cy="160490"/>
             </a:xfrm>
             <a:prstGeom prst="rect">
@@ -4740,7 +4740,7 @@
           </p:nvSpPr>
           <p:spPr>
             <a:xfrm>
-              <a:off x="3928274" y="4252323"/>
+              <a:off x="3927857" y="4251856"/>
               <a:ext cx="1229507" cy="200824"/>
             </a:xfrm>
             <a:prstGeom prst="rect">
@@ -4786,7 +4786,7 @@
           </p:nvSpPr>
           <p:spPr>
             <a:xfrm>
-              <a:off x="4181395" y="4604864"/>
+              <a:off x="4180979" y="4604397"/>
               <a:ext cx="723264" cy="160490"/>
             </a:xfrm>
             <a:prstGeom prst="rect">
@@ -4832,7 +4832,7 @@
           </p:nvSpPr>
           <p:spPr>
             <a:xfrm>
-              <a:off x="3338845" y="3696838"/>
+              <a:off x="3340269" y="3697054"/>
               <a:ext cx="855489" cy="157737"/>
             </a:xfrm>
             <a:prstGeom prst="rect">
@@ -4878,7 +4878,7 @@
           </p:nvSpPr>
           <p:spPr>
             <a:xfrm>
-              <a:off x="3525537" y="4006292"/>
+              <a:off x="3526960" y="4006507"/>
               <a:ext cx="482105" cy="160490"/>
             </a:xfrm>
             <a:prstGeom prst="rect">
@@ -4924,7 +4924,7 @@
           </p:nvSpPr>
           <p:spPr>
             <a:xfrm>
-              <a:off x="4331187" y="3724135"/>
+              <a:off x="4330837" y="3724059"/>
               <a:ext cx="1325738" cy="157737"/>
             </a:xfrm>
             <a:prstGeom prst="rect">
@@ -4970,7 +4970,7 @@
           </p:nvSpPr>
           <p:spPr>
             <a:xfrm>
-              <a:off x="4632424" y="4033589"/>
+              <a:off x="4632073" y="4033513"/>
               <a:ext cx="723264" cy="160490"/>
             </a:xfrm>
             <a:prstGeom prst="rect">
@@ -5016,7 +5016,7 @@
           </p:nvSpPr>
           <p:spPr>
             <a:xfrm>
-              <a:off x="3664961" y="3136704"/>
+              <a:off x="4013241" y="3137537"/>
               <a:ext cx="843526" cy="157737"/>
             </a:xfrm>
             <a:prstGeom prst="rect">
@@ -5062,7 +5062,7 @@
           </p:nvSpPr>
           <p:spPr>
             <a:xfrm>
-              <a:off x="3725092" y="3446158"/>
+              <a:off x="4073372" y="3446991"/>
               <a:ext cx="723264" cy="160490"/>
             </a:xfrm>
             <a:prstGeom prst="rect">
@@ -5108,7 +5108,7 @@
           </p:nvSpPr>
           <p:spPr>
             <a:xfrm>
-              <a:off x="4161052" y="2532974"/>
+              <a:off x="4161633" y="2532741"/>
               <a:ext cx="1229295" cy="203471"/>
             </a:xfrm>
             <a:prstGeom prst="rect">
@@ -5154,7 +5154,7 @@
           </p:nvSpPr>
           <p:spPr>
             <a:xfrm>
-              <a:off x="4414068" y="2888161"/>
+              <a:off x="4414648" y="2887928"/>
               <a:ext cx="723264" cy="160490"/>
             </a:xfrm>
             <a:prstGeom prst="rect">
@@ -5200,7 +5200,7 @@
           </p:nvSpPr>
           <p:spPr>
             <a:xfrm>
-              <a:off x="5481750" y="2457279"/>
+              <a:off x="5482212" y="2457042"/>
               <a:ext cx="952143" cy="157737"/>
             </a:xfrm>
             <a:prstGeom prst="rect">
@@ -5246,7 +5246,7 @@
           </p:nvSpPr>
           <p:spPr>
             <a:xfrm>
-              <a:off x="5596189" y="2766627"/>
+              <a:off x="5596652" y="2766390"/>
               <a:ext cx="723264" cy="160596"/>
             </a:xfrm>
             <a:prstGeom prst="rect">

--- a/Images/Figures_PPT/RaptorPie.pptx
+++ b/Images/Figures_PPT/RaptorPie.pptx
@@ -4556,7 +4556,7 @@
           </p:nvSpPr>
           <p:spPr>
             <a:xfrm>
-              <a:off x="6345658" y="3902343"/>
+              <a:off x="5758618" y="4489406"/>
               <a:ext cx="1289638" cy="203471"/>
             </a:xfrm>
             <a:prstGeom prst="rect">
@@ -4602,7 +4602,7 @@
           </p:nvSpPr>
           <p:spPr>
             <a:xfrm>
-              <a:off x="6508265" y="4257424"/>
+              <a:off x="5921226" y="4844487"/>
               <a:ext cx="964423" cy="160596"/>
             </a:xfrm>
             <a:prstGeom prst="rect">
@@ -4648,7 +4648,7 @@
           </p:nvSpPr>
           <p:spPr>
             <a:xfrm>
-              <a:off x="4048455" y="4953454"/>
+              <a:off x="4048288" y="4953613"/>
               <a:ext cx="1446105" cy="200930"/>
             </a:xfrm>
             <a:prstGeom prst="rect">
@@ -4694,7 +4694,7 @@
           </p:nvSpPr>
           <p:spPr>
             <a:xfrm>
-              <a:off x="4289296" y="5306100"/>
+              <a:off x="4289130" y="5306259"/>
               <a:ext cx="964423" cy="160490"/>
             </a:xfrm>
             <a:prstGeom prst="rect">
@@ -4740,7 +4740,7 @@
           </p:nvSpPr>
           <p:spPr>
             <a:xfrm>
-              <a:off x="3927857" y="4251856"/>
+              <a:off x="3927651" y="4251487"/>
               <a:ext cx="1229507" cy="200824"/>
             </a:xfrm>
             <a:prstGeom prst="rect">
@@ -4786,7 +4786,7 @@
           </p:nvSpPr>
           <p:spPr>
             <a:xfrm>
-              <a:off x="4180979" y="4604397"/>
+              <a:off x="4180773" y="4604028"/>
               <a:ext cx="723264" cy="160490"/>
             </a:xfrm>
             <a:prstGeom prst="rect">
@@ -4832,7 +4832,7 @@
           </p:nvSpPr>
           <p:spPr>
             <a:xfrm>
-              <a:off x="3340269" y="3697054"/>
+              <a:off x="3338905" y="3696876"/>
               <a:ext cx="855489" cy="157737"/>
             </a:xfrm>
             <a:prstGeom prst="rect">
@@ -4878,7 +4878,7 @@
           </p:nvSpPr>
           <p:spPr>
             <a:xfrm>
-              <a:off x="3526960" y="4006507"/>
+              <a:off x="3525597" y="4006330"/>
               <a:ext cx="482105" cy="160490"/>
             </a:xfrm>
             <a:prstGeom prst="rect">
@@ -4924,7 +4924,7 @@
           </p:nvSpPr>
           <p:spPr>
             <a:xfrm>
-              <a:off x="4330837" y="3724059"/>
+              <a:off x="4328070" y="3724200"/>
               <a:ext cx="1325738" cy="157737"/>
             </a:xfrm>
             <a:prstGeom prst="rect">
@@ -4970,7 +4970,7 @@
           </p:nvSpPr>
           <p:spPr>
             <a:xfrm>
-              <a:off x="4632073" y="4033513"/>
+              <a:off x="4629307" y="4033654"/>
               <a:ext cx="723264" cy="160490"/>
             </a:xfrm>
             <a:prstGeom prst="rect">
@@ -5016,7 +5016,7 @@
           </p:nvSpPr>
           <p:spPr>
             <a:xfrm>
-              <a:off x="4013241" y="3137537"/>
+              <a:off x="3666294" y="3136724"/>
               <a:ext cx="843526" cy="157737"/>
             </a:xfrm>
             <a:prstGeom prst="rect">
@@ -5062,7 +5062,7 @@
           </p:nvSpPr>
           <p:spPr>
             <a:xfrm>
-              <a:off x="4073372" y="3446991"/>
+              <a:off x="3726425" y="3446178"/>
               <a:ext cx="723264" cy="160490"/>
             </a:xfrm>
             <a:prstGeom prst="rect">
@@ -5108,7 +5108,7 @@
           </p:nvSpPr>
           <p:spPr>
             <a:xfrm>
-              <a:off x="4161633" y="2532741"/>
+              <a:off x="4160541" y="2532125"/>
               <a:ext cx="1229295" cy="203471"/>
             </a:xfrm>
             <a:prstGeom prst="rect">
@@ -5154,7 +5154,7 @@
           </p:nvSpPr>
           <p:spPr>
             <a:xfrm>
-              <a:off x="4414648" y="2887928"/>
+              <a:off x="4413556" y="2887312"/>
               <a:ext cx="723264" cy="160490"/>
             </a:xfrm>
             <a:prstGeom prst="rect">
@@ -5200,7 +5200,7 @@
           </p:nvSpPr>
           <p:spPr>
             <a:xfrm>
-              <a:off x="5482212" y="2457042"/>
+              <a:off x="5481521" y="2457428"/>
               <a:ext cx="952143" cy="157737"/>
             </a:xfrm>
             <a:prstGeom prst="rect">
@@ -5246,7 +5246,7 @@
           </p:nvSpPr>
           <p:spPr>
             <a:xfrm>
-              <a:off x="5596652" y="2766390"/>
+              <a:off x="5595960" y="2766776"/>
               <a:ext cx="723264" cy="160596"/>
             </a:xfrm>
             <a:prstGeom prst="rect">
